--- a/Slide_DATN.pptx
+++ b/Slide_DATN.pptx
@@ -5,7 +5,7 @@
     <p:sldMasterId id="2147483672" r:id="rId1"/>
   </p:sldMasterIdLst>
   <p:notesMasterIdLst>
-    <p:notesMasterId r:id="rId22"/>
+    <p:notesMasterId r:id="rId27"/>
   </p:notesMasterIdLst>
   <p:sldIdLst>
     <p:sldId id="256" r:id="rId2"/>
@@ -13,21 +13,26 @@
     <p:sldId id="273" r:id="rId4"/>
     <p:sldId id="258" r:id="rId5"/>
     <p:sldId id="259" r:id="rId6"/>
-    <p:sldId id="260" r:id="rId7"/>
-    <p:sldId id="263" r:id="rId8"/>
-    <p:sldId id="261" r:id="rId9"/>
-    <p:sldId id="262" r:id="rId10"/>
-    <p:sldId id="264" r:id="rId11"/>
-    <p:sldId id="265" r:id="rId12"/>
-    <p:sldId id="266" r:id="rId13"/>
-    <p:sldId id="267" r:id="rId14"/>
-    <p:sldId id="268" r:id="rId15"/>
-    <p:sldId id="274" r:id="rId16"/>
-    <p:sldId id="269" r:id="rId17"/>
-    <p:sldId id="272" r:id="rId18"/>
-    <p:sldId id="275" r:id="rId19"/>
-    <p:sldId id="271" r:id="rId20"/>
-    <p:sldId id="276" r:id="rId21"/>
+    <p:sldId id="278" r:id="rId7"/>
+    <p:sldId id="279" r:id="rId8"/>
+    <p:sldId id="260" r:id="rId9"/>
+    <p:sldId id="263" r:id="rId10"/>
+    <p:sldId id="261" r:id="rId11"/>
+    <p:sldId id="262" r:id="rId12"/>
+    <p:sldId id="264" r:id="rId13"/>
+    <p:sldId id="265" r:id="rId14"/>
+    <p:sldId id="266" r:id="rId15"/>
+    <p:sldId id="267" r:id="rId16"/>
+    <p:sldId id="268" r:id="rId17"/>
+    <p:sldId id="280" r:id="rId18"/>
+    <p:sldId id="281" r:id="rId19"/>
+    <p:sldId id="274" r:id="rId20"/>
+    <p:sldId id="269" r:id="rId21"/>
+    <p:sldId id="272" r:id="rId22"/>
+    <p:sldId id="275" r:id="rId23"/>
+    <p:sldId id="282" r:id="rId24"/>
+    <p:sldId id="271" r:id="rId25"/>
+    <p:sldId id="276" r:id="rId26"/>
   </p:sldIdLst>
   <p:sldSz cx="12192000" cy="6858000"/>
   <p:notesSz cx="6858000" cy="9144000"/>
@@ -136,6 +141,8 @@
             <p14:sldId id="273"/>
             <p14:sldId id="258"/>
             <p14:sldId id="259"/>
+            <p14:sldId id="278"/>
+            <p14:sldId id="279"/>
             <p14:sldId id="260"/>
             <p14:sldId id="263"/>
             <p14:sldId id="261"/>
@@ -145,10 +152,13 @@
             <p14:sldId id="266"/>
             <p14:sldId id="267"/>
             <p14:sldId id="268"/>
+            <p14:sldId id="280"/>
+            <p14:sldId id="281"/>
             <p14:sldId id="274"/>
             <p14:sldId id="269"/>
             <p14:sldId id="272"/>
             <p14:sldId id="275"/>
+            <p14:sldId id="282"/>
             <p14:sldId id="271"/>
             <p14:sldId id="276"/>
           </p14:sldIdLst>
@@ -270,7 +280,7 @@
           <a:p>
             <a:fld id="{50772FDB-C5E3-4CE5-923E-44CCA09AB873}" type="datetimeFigureOut">
               <a:rPr lang="en-US" smtClean="0"/>
-              <a:t>1/10/2019</a:t>
+              <a:t>1/15/2019</a:t>
             </a:fld>
             <a:endParaRPr lang="en-US"/>
           </a:p>
@@ -846,7 +856,7 @@
           <a:p>
             <a:fld id="{30DCA5A5-4AA5-42F5-A30D-9F911C526E24}" type="datetime1">
               <a:rPr lang="en-US" smtClean="0"/>
-              <a:t>1/10/2019</a:t>
+              <a:t>1/15/2019</a:t>
             </a:fld>
             <a:endParaRPr lang="en-US"/>
           </a:p>
@@ -1054,7 +1064,7 @@
           <a:p>
             <a:fld id="{0F848E7A-6428-4067-AF53-AF60B4275000}" type="datetime1">
               <a:rPr lang="en-US" smtClean="0"/>
-              <a:t>1/10/2019</a:t>
+              <a:t>1/15/2019</a:t>
             </a:fld>
             <a:endParaRPr lang="en-US"/>
           </a:p>
@@ -1310,7 +1320,7 @@
           <a:p>
             <a:fld id="{6FEF3A0B-F613-4A7B-999F-8B402EE1D8EB}" type="datetime1">
               <a:rPr lang="en-US" smtClean="0"/>
-              <a:t>1/10/2019</a:t>
+              <a:t>1/15/2019</a:t>
             </a:fld>
             <a:endParaRPr lang="en-US"/>
           </a:p>
@@ -1554,7 +1564,7 @@
           <a:p>
             <a:fld id="{D400E69E-CE44-4A9F-B6FE-AFC9CDD09F30}" type="datetime1">
               <a:rPr lang="en-US" smtClean="0"/>
-              <a:t>1/10/2019</a:t>
+              <a:t>1/15/2019</a:t>
             </a:fld>
             <a:endParaRPr lang="en-US"/>
           </a:p>
@@ -1897,7 +1907,7 @@
           <a:p>
             <a:fld id="{4A14E6C5-7443-403A-962A-2D6B7777E90A}" type="datetime1">
               <a:rPr lang="en-US" smtClean="0"/>
-              <a:t>1/10/2019</a:t>
+              <a:t>1/15/2019</a:t>
             </a:fld>
             <a:endParaRPr lang="en-US"/>
           </a:p>
@@ -2172,7 +2182,7 @@
           <a:p>
             <a:fld id="{9C8CB0F7-0579-4C15-8878-9FE25FE1BE09}" type="datetime1">
               <a:rPr lang="en-US" smtClean="0"/>
-              <a:t>1/10/2019</a:t>
+              <a:t>1/15/2019</a:t>
             </a:fld>
             <a:endParaRPr lang="en-US"/>
           </a:p>
@@ -2551,7 +2561,7 @@
           <a:p>
             <a:fld id="{21435EDB-DC6C-44CA-85D4-8B8F5BD3A9B9}" type="datetime1">
               <a:rPr lang="en-US" smtClean="0"/>
-              <a:t>1/10/2019</a:t>
+              <a:t>1/15/2019</a:t>
             </a:fld>
             <a:endParaRPr lang="en-US"/>
           </a:p>
@@ -2669,7 +2679,7 @@
           <a:p>
             <a:fld id="{7DC7BC9A-1FA0-4DFF-8882-A999D5F51071}" type="datetime1">
               <a:rPr lang="en-US" smtClean="0"/>
-              <a:t>1/10/2019</a:t>
+              <a:t>1/15/2019</a:t>
             </a:fld>
             <a:endParaRPr lang="en-US"/>
           </a:p>
@@ -2840,7 +2850,7 @@
           <a:p>
             <a:fld id="{1486394E-74EA-4AA0-A6C6-427BF04CC1A1}" type="datetime1">
               <a:rPr lang="en-US" smtClean="0"/>
-              <a:t>1/10/2019</a:t>
+              <a:t>1/15/2019</a:t>
             </a:fld>
             <a:endParaRPr lang="en-US"/>
           </a:p>
@@ -3194,7 +3204,7 @@
           <a:p>
             <a:fld id="{7709DB04-D000-419C-99F8-A411CF9F77B0}" type="datetime1">
               <a:rPr lang="en-US" smtClean="0"/>
-              <a:t>1/10/2019</a:t>
+              <a:t>1/15/2019</a:t>
             </a:fld>
             <a:endParaRPr lang="en-US"/>
           </a:p>
@@ -3576,7 +3586,7 @@
           <a:p>
             <a:fld id="{68C703BC-F742-49CA-BD88-746B2283ACF9}" type="datetime1">
               <a:rPr lang="en-US" smtClean="0"/>
-              <a:t>1/10/2019</a:t>
+              <a:t>1/15/2019</a:t>
             </a:fld>
             <a:endParaRPr lang="en-US"/>
           </a:p>
@@ -3940,7 +3950,7 @@
           <a:p>
             <a:fld id="{F5F532F5-D978-4513-AF51-1F55BE92B472}" type="datetime1">
               <a:rPr lang="en-US" smtClean="0"/>
-              <a:t>1/10/2019</a:t>
+              <a:t>1/15/2019</a:t>
             </a:fld>
             <a:endParaRPr lang="en-US"/>
           </a:p>
@@ -4825,6 +4835,308 @@
           <p:cNvPr id="2" name="Tiêu đề 1">
             <a:extLst>
               <a:ext uri="{FF2B5EF4-FFF2-40B4-BE49-F238E27FC236}">
+                <a16:creationId xmlns:a16="http://schemas.microsoft.com/office/drawing/2014/main" id="{85022063-2288-4A5E-BC35-5746653C5B1F}"/>
+              </a:ext>
+            </a:extLst>
+          </p:cNvPr>
+          <p:cNvSpPr>
+            <a:spLocks noGrp="1"/>
+          </p:cNvSpPr>
+          <p:nvPr>
+            <p:ph type="title"/>
+          </p:nvPr>
+        </p:nvSpPr>
+        <p:spPr/>
+        <p:txBody>
+          <a:bodyPr/>
+          <a:lstStyle/>
+          <a:p>
+            <a:r>
+              <a:rPr lang="en-US" dirty="0"/>
+              <a:t>2. </a:t>
+            </a:r>
+            <a:r>
+              <a:rPr lang="en-US" dirty="0" err="1"/>
+              <a:t>Kiến</a:t>
+            </a:r>
+            <a:r>
+              <a:rPr lang="en-US" dirty="0"/>
+              <a:t> </a:t>
+            </a:r>
+            <a:r>
+              <a:rPr lang="en-US" dirty="0" err="1"/>
+              <a:t>trúc</a:t>
+            </a:r>
+            <a:r>
+              <a:rPr lang="en-US" dirty="0"/>
+              <a:t> </a:t>
+            </a:r>
+            <a:r>
+              <a:rPr lang="en-US" dirty="0" err="1"/>
+              <a:t>thiết</a:t>
+            </a:r>
+            <a:r>
+              <a:rPr lang="en-US" dirty="0"/>
+              <a:t> </a:t>
+            </a:r>
+            <a:r>
+              <a:rPr lang="en-US" dirty="0" err="1"/>
+              <a:t>kế</a:t>
+            </a:r>
+            <a:endParaRPr lang="en-US" dirty="0"/>
+          </a:p>
+        </p:txBody>
+      </p:sp>
+      <p:sp>
+        <p:nvSpPr>
+          <p:cNvPr id="4" name="Chỗ dành sẵn cho Số hiệu Bản chiếu 3">
+            <a:extLst>
+              <a:ext uri="{FF2B5EF4-FFF2-40B4-BE49-F238E27FC236}">
+                <a16:creationId xmlns:a16="http://schemas.microsoft.com/office/drawing/2014/main" id="{9164578D-ED5F-4111-A524-413F2E049A76}"/>
+              </a:ext>
+            </a:extLst>
+          </p:cNvPr>
+          <p:cNvSpPr>
+            <a:spLocks noGrp="1"/>
+          </p:cNvSpPr>
+          <p:nvPr>
+            <p:ph type="sldNum" sz="quarter" idx="12"/>
+          </p:nvPr>
+        </p:nvSpPr>
+        <p:spPr/>
+        <p:txBody>
+          <a:bodyPr/>
+          <a:lstStyle/>
+          <a:p>
+            <a:fld id="{9514B7F1-BB48-43C4-8AAC-DDDF7391C027}" type="slidenum">
+              <a:rPr lang="en-US" smtClean="0"/>
+              <a:t>10</a:t>
+            </a:fld>
+            <a:endParaRPr lang="en-US"/>
+          </a:p>
+        </p:txBody>
+      </p:sp>
+      <p:pic>
+        <p:nvPicPr>
+          <p:cNvPr id="10" name="Chỗ dành sẵn cho Nội dung 9">
+            <a:extLst>
+              <a:ext uri="{FF2B5EF4-FFF2-40B4-BE49-F238E27FC236}">
+                <a16:creationId xmlns:a16="http://schemas.microsoft.com/office/drawing/2014/main" id="{C16D0AD2-DA3E-4ACF-847D-85AEB9442F5B}"/>
+              </a:ext>
+            </a:extLst>
+          </p:cNvPr>
+          <p:cNvPicPr>
+            <a:picLocks noGrp="1" noChangeAspect="1"/>
+          </p:cNvPicPr>
+          <p:nvPr>
+            <p:ph idx="1"/>
+          </p:nvPr>
+        </p:nvPicPr>
+        <p:blipFill>
+          <a:blip r:embed="rId2">
+            <a:extLst>
+              <a:ext uri="{28A0092B-C50C-407E-A947-70E740481C1C}">
+                <a14:useLocalDpi xmlns:a14="http://schemas.microsoft.com/office/drawing/2010/main" val="0"/>
+              </a:ext>
+            </a:extLst>
+          </a:blip>
+          <a:stretch>
+            <a:fillRect/>
+          </a:stretch>
+        </p:blipFill>
+        <p:spPr>
+          <a:xfrm>
+            <a:off x="3052690" y="1557867"/>
+            <a:ext cx="5761524" cy="4311122"/>
+          </a:xfrm>
+        </p:spPr>
+      </p:pic>
+    </p:spTree>
+    <p:extLst>
+      <p:ext uri="{BB962C8B-B14F-4D97-AF65-F5344CB8AC3E}">
+        <p14:creationId xmlns:p14="http://schemas.microsoft.com/office/powerpoint/2010/main" val="1132573609"/>
+      </p:ext>
+    </p:extLst>
+  </p:cSld>
+  <p:clrMapOvr>
+    <a:masterClrMapping/>
+  </p:clrMapOvr>
+</p:sld>
+</file>
+
+<file path=ppt/slides/slide11.xml><?xml version="1.0" encoding="utf-8"?>
+<p:sld xmlns:a="http://schemas.openxmlformats.org/drawingml/2006/main" xmlns:r="http://schemas.openxmlformats.org/officeDocument/2006/relationships" xmlns:p="http://schemas.openxmlformats.org/presentationml/2006/main">
+  <p:cSld>
+    <p:spTree>
+      <p:nvGrpSpPr>
+        <p:cNvPr id="1" name=""/>
+        <p:cNvGrpSpPr/>
+        <p:nvPr/>
+      </p:nvGrpSpPr>
+      <p:grpSpPr>
+        <a:xfrm>
+          <a:off x="0" y="0"/>
+          <a:ext cx="0" cy="0"/>
+          <a:chOff x="0" y="0"/>
+          <a:chExt cx="0" cy="0"/>
+        </a:xfrm>
+      </p:grpSpPr>
+      <p:sp>
+        <p:nvSpPr>
+          <p:cNvPr id="2" name="Tiêu đề 1">
+            <a:extLst>
+              <a:ext uri="{FF2B5EF4-FFF2-40B4-BE49-F238E27FC236}">
+                <a16:creationId xmlns:a16="http://schemas.microsoft.com/office/drawing/2014/main" id="{E5E8DA4D-7941-4E2F-8D42-F8534B57BE1A}"/>
+              </a:ext>
+            </a:extLst>
+          </p:cNvPr>
+          <p:cNvSpPr>
+            <a:spLocks noGrp="1"/>
+          </p:cNvSpPr>
+          <p:nvPr>
+            <p:ph type="title"/>
+          </p:nvPr>
+        </p:nvSpPr>
+        <p:spPr/>
+        <p:txBody>
+          <a:bodyPr/>
+          <a:lstStyle/>
+          <a:p>
+            <a:r>
+              <a:rPr lang="en-US" dirty="0"/>
+              <a:t>2. </a:t>
+            </a:r>
+            <a:r>
+              <a:rPr lang="en-US" dirty="0" err="1"/>
+              <a:t>Kiến</a:t>
+            </a:r>
+            <a:r>
+              <a:rPr lang="en-US" dirty="0"/>
+              <a:t> </a:t>
+            </a:r>
+            <a:r>
+              <a:rPr lang="en-US" dirty="0" err="1"/>
+              <a:t>trúc</a:t>
+            </a:r>
+            <a:r>
+              <a:rPr lang="en-US" dirty="0"/>
+              <a:t> </a:t>
+            </a:r>
+            <a:r>
+              <a:rPr lang="en-US" dirty="0" err="1"/>
+              <a:t>thiết</a:t>
+            </a:r>
+            <a:r>
+              <a:rPr lang="en-US" dirty="0"/>
+              <a:t> </a:t>
+            </a:r>
+            <a:r>
+              <a:rPr lang="en-US" dirty="0" err="1"/>
+              <a:t>kế</a:t>
+            </a:r>
+            <a:endParaRPr lang="en-US" dirty="0"/>
+          </a:p>
+        </p:txBody>
+      </p:sp>
+      <p:sp>
+        <p:nvSpPr>
+          <p:cNvPr id="4" name="Chỗ dành sẵn cho Số hiệu Bản chiếu 3">
+            <a:extLst>
+              <a:ext uri="{FF2B5EF4-FFF2-40B4-BE49-F238E27FC236}">
+                <a16:creationId xmlns:a16="http://schemas.microsoft.com/office/drawing/2014/main" id="{38DA244B-0629-4DE8-B578-945D096977A8}"/>
+              </a:ext>
+            </a:extLst>
+          </p:cNvPr>
+          <p:cNvSpPr>
+            <a:spLocks noGrp="1"/>
+          </p:cNvSpPr>
+          <p:nvPr>
+            <p:ph type="sldNum" sz="quarter" idx="12"/>
+          </p:nvPr>
+        </p:nvSpPr>
+        <p:spPr/>
+        <p:txBody>
+          <a:bodyPr/>
+          <a:lstStyle/>
+          <a:p>
+            <a:fld id="{9514B7F1-BB48-43C4-8AAC-DDDF7391C027}" type="slidenum">
+              <a:rPr lang="en-US" smtClean="0"/>
+              <a:t>11</a:t>
+            </a:fld>
+            <a:endParaRPr lang="en-US"/>
+          </a:p>
+        </p:txBody>
+      </p:sp>
+      <p:pic>
+        <p:nvPicPr>
+          <p:cNvPr id="14" name="Chỗ dành sẵn cho Nội dung 13">
+            <a:extLst>
+              <a:ext uri="{FF2B5EF4-FFF2-40B4-BE49-F238E27FC236}">
+                <a16:creationId xmlns:a16="http://schemas.microsoft.com/office/drawing/2014/main" id="{679051D0-AF63-4C2D-BB15-AB0DF7BB1B9B}"/>
+              </a:ext>
+            </a:extLst>
+          </p:cNvPr>
+          <p:cNvPicPr>
+            <a:picLocks noGrp="1" noChangeAspect="1"/>
+          </p:cNvPicPr>
+          <p:nvPr>
+            <p:ph idx="1"/>
+          </p:nvPr>
+        </p:nvPicPr>
+        <p:blipFill>
+          <a:blip r:embed="rId2">
+            <a:extLst>
+              <a:ext uri="{28A0092B-C50C-407E-A947-70E740481C1C}">
+                <a14:useLocalDpi xmlns:a14="http://schemas.microsoft.com/office/drawing/2010/main" val="0"/>
+              </a:ext>
+            </a:extLst>
+          </a:blip>
+          <a:stretch>
+            <a:fillRect/>
+          </a:stretch>
+        </p:blipFill>
+        <p:spPr>
+          <a:xfrm>
+            <a:off x="4051495" y="1537349"/>
+            <a:ext cx="4331630" cy="4676417"/>
+          </a:xfrm>
+        </p:spPr>
+      </p:pic>
+    </p:spTree>
+    <p:extLst>
+      <p:ext uri="{BB962C8B-B14F-4D97-AF65-F5344CB8AC3E}">
+        <p14:creationId xmlns:p14="http://schemas.microsoft.com/office/powerpoint/2010/main" val="2682039979"/>
+      </p:ext>
+    </p:extLst>
+  </p:cSld>
+  <p:clrMapOvr>
+    <a:masterClrMapping/>
+  </p:clrMapOvr>
+</p:sld>
+</file>
+
+<file path=ppt/slides/slide12.xml><?xml version="1.0" encoding="utf-8"?>
+<p:sld xmlns:a="http://schemas.openxmlformats.org/drawingml/2006/main" xmlns:r="http://schemas.openxmlformats.org/officeDocument/2006/relationships" xmlns:p="http://schemas.openxmlformats.org/presentationml/2006/main">
+  <p:cSld>
+    <p:spTree>
+      <p:nvGrpSpPr>
+        <p:cNvPr id="1" name=""/>
+        <p:cNvGrpSpPr/>
+        <p:nvPr/>
+      </p:nvGrpSpPr>
+      <p:grpSpPr>
+        <a:xfrm>
+          <a:off x="0" y="0"/>
+          <a:ext cx="0" cy="0"/>
+          <a:chOff x="0" y="0"/>
+          <a:chExt cx="0" cy="0"/>
+        </a:xfrm>
+      </p:grpSpPr>
+      <p:sp>
+        <p:nvSpPr>
+          <p:cNvPr id="2" name="Tiêu đề 1">
+            <a:extLst>
+              <a:ext uri="{FF2B5EF4-FFF2-40B4-BE49-F238E27FC236}">
                 <a16:creationId xmlns:a16="http://schemas.microsoft.com/office/drawing/2014/main" id="{3968FD1A-9C6F-4509-9A81-3E393F7D95AB}"/>
               </a:ext>
             </a:extLst>
@@ -4935,7 +5247,7 @@
           <a:p>
             <a:fld id="{9514B7F1-BB48-43C4-8AAC-DDDF7391C027}" type="slidenum">
               <a:rPr lang="en-US" smtClean="0"/>
-              <a:t>10</a:t>
+              <a:t>12</a:t>
             </a:fld>
             <a:endParaRPr lang="en-US"/>
           </a:p>
@@ -4954,7 +5266,7 @@
 </p:sld>
 </file>
 
-<file path=ppt/slides/slide11.xml><?xml version="1.0" encoding="utf-8"?>
+<file path=ppt/slides/slide13.xml><?xml version="1.0" encoding="utf-8"?>
 <p:sld xmlns:a="http://schemas.openxmlformats.org/drawingml/2006/main" xmlns:r="http://schemas.openxmlformats.org/officeDocument/2006/relationships" xmlns:p="http://schemas.openxmlformats.org/presentationml/2006/main">
   <p:cSld>
     <p:spTree>
@@ -5086,7 +5398,7 @@
           <a:p>
             <a:fld id="{9514B7F1-BB48-43C4-8AAC-DDDF7391C027}" type="slidenum">
               <a:rPr lang="en-US" smtClean="0"/>
-              <a:t>11</a:t>
+              <a:t>13</a:t>
             </a:fld>
             <a:endParaRPr lang="en-US"/>
           </a:p>
@@ -5105,7 +5417,7 @@
 </p:sld>
 </file>
 
-<file path=ppt/slides/slide12.xml><?xml version="1.0" encoding="utf-8"?>
+<file path=ppt/slides/slide14.xml><?xml version="1.0" encoding="utf-8"?>
 <p:sld xmlns:a="http://schemas.openxmlformats.org/drawingml/2006/main" xmlns:r="http://schemas.openxmlformats.org/officeDocument/2006/relationships" xmlns:p="http://schemas.openxmlformats.org/presentationml/2006/main">
   <p:cSld>
     <p:spTree>
@@ -5202,7 +5514,7 @@
           <a:p>
             <a:fld id="{9514B7F1-BB48-43C4-8AAC-DDDF7391C027}" type="slidenum">
               <a:rPr lang="en-US" smtClean="0"/>
-              <a:t>12</a:t>
+              <a:t>14</a:t>
             </a:fld>
             <a:endParaRPr lang="en-US"/>
           </a:p>
@@ -5256,7 +5568,7 @@
 </p:sld>
 </file>
 
-<file path=ppt/slides/slide13.xml><?xml version="1.0" encoding="utf-8"?>
+<file path=ppt/slides/slide15.xml><?xml version="1.0" encoding="utf-8"?>
 <p:sld xmlns:a="http://schemas.openxmlformats.org/drawingml/2006/main" xmlns:r="http://schemas.openxmlformats.org/officeDocument/2006/relationships" xmlns:p="http://schemas.openxmlformats.org/presentationml/2006/main">
   <p:cSld>
     <p:spTree>
@@ -5353,7 +5665,7 @@
           <a:p>
             <a:fld id="{9514B7F1-BB48-43C4-8AAC-DDDF7391C027}" type="slidenum">
               <a:rPr lang="en-US" smtClean="0"/>
-              <a:t>13</a:t>
+              <a:t>15</a:t>
             </a:fld>
             <a:endParaRPr lang="en-US"/>
           </a:p>
@@ -5407,7 +5719,7 @@
 </p:sld>
 </file>
 
-<file path=ppt/slides/slide14.xml><?xml version="1.0" encoding="utf-8"?>
+<file path=ppt/slides/slide16.xml><?xml version="1.0" encoding="utf-8"?>
 <p:sld xmlns:a="http://schemas.openxmlformats.org/drawingml/2006/main" xmlns:r="http://schemas.openxmlformats.org/officeDocument/2006/relationships" xmlns:p="http://schemas.openxmlformats.org/presentationml/2006/main">
   <p:cSld>
     <p:spTree>
@@ -5539,7 +5851,7 @@
           <a:p>
             <a:fld id="{9514B7F1-BB48-43C4-8AAC-DDDF7391C027}" type="slidenum">
               <a:rPr lang="en-US" smtClean="0"/>
-              <a:t>14</a:t>
+              <a:t>16</a:t>
             </a:fld>
             <a:endParaRPr lang="en-US"/>
           </a:p>
@@ -5558,7 +5870,1532 @@
 </p:sld>
 </file>
 
-<file path=ppt/slides/slide15.xml><?xml version="1.0" encoding="utf-8"?>
+<file path=ppt/slides/slide17.xml><?xml version="1.0" encoding="utf-8"?>
+<p:sld xmlns:a="http://schemas.openxmlformats.org/drawingml/2006/main" xmlns:r="http://schemas.openxmlformats.org/officeDocument/2006/relationships" xmlns:p="http://schemas.openxmlformats.org/presentationml/2006/main">
+  <p:cSld>
+    <p:spTree>
+      <p:nvGrpSpPr>
+        <p:cNvPr id="1" name=""/>
+        <p:cNvGrpSpPr/>
+        <p:nvPr/>
+      </p:nvGrpSpPr>
+      <p:grpSpPr>
+        <a:xfrm>
+          <a:off x="0" y="0"/>
+          <a:ext cx="0" cy="0"/>
+          <a:chOff x="0" y="0"/>
+          <a:chExt cx="0" cy="0"/>
+        </a:xfrm>
+      </p:grpSpPr>
+      <p:sp>
+        <p:nvSpPr>
+          <p:cNvPr id="2" name="Tiêu đề 1">
+            <a:extLst>
+              <a:ext uri="{FF2B5EF4-FFF2-40B4-BE49-F238E27FC236}">
+                <a16:creationId xmlns:a16="http://schemas.microsoft.com/office/drawing/2014/main" id="{D7EA03C3-5E4E-451F-AD70-9EAB3F34C2A9}"/>
+              </a:ext>
+            </a:extLst>
+          </p:cNvPr>
+          <p:cNvSpPr>
+            <a:spLocks noGrp="1"/>
+          </p:cNvSpPr>
+          <p:nvPr>
+            <p:ph type="title"/>
+          </p:nvPr>
+        </p:nvSpPr>
+        <p:spPr/>
+        <p:txBody>
+          <a:bodyPr/>
+          <a:lstStyle/>
+          <a:p>
+            <a:r>
+              <a:rPr lang="en-US" dirty="0"/>
+              <a:t>2. </a:t>
+            </a:r>
+            <a:r>
+              <a:rPr lang="en-US" dirty="0" err="1"/>
+              <a:t>Kiến</a:t>
+            </a:r>
+            <a:r>
+              <a:rPr lang="en-US" dirty="0"/>
+              <a:t> </a:t>
+            </a:r>
+            <a:r>
+              <a:rPr lang="en-US" dirty="0" err="1"/>
+              <a:t>trúc</a:t>
+            </a:r>
+            <a:r>
+              <a:rPr lang="en-US" dirty="0"/>
+              <a:t> </a:t>
+            </a:r>
+            <a:r>
+              <a:rPr lang="en-US" dirty="0" err="1"/>
+              <a:t>thiết</a:t>
+            </a:r>
+            <a:r>
+              <a:rPr lang="en-US" dirty="0"/>
+              <a:t> </a:t>
+            </a:r>
+            <a:r>
+              <a:rPr lang="en-US" dirty="0" err="1"/>
+              <a:t>kế</a:t>
+            </a:r>
+            <a:endParaRPr lang="en-US" dirty="0"/>
+          </a:p>
+        </p:txBody>
+      </p:sp>
+      <mc:AlternateContent xmlns:mc="http://schemas.openxmlformats.org/markup-compatibility/2006">
+        <mc:Choice xmlns:a14="http://schemas.microsoft.com/office/drawing/2010/main" Requires="a14">
+          <p:sp>
+            <p:nvSpPr>
+              <p:cNvPr id="3" name="Chỗ dành sẵn cho Nội dung 2">
+                <a:extLst>
+                  <a:ext uri="{FF2B5EF4-FFF2-40B4-BE49-F238E27FC236}">
+                    <a16:creationId xmlns:a16="http://schemas.microsoft.com/office/drawing/2014/main" id="{7D5D4CAD-D957-48E0-89C6-150F5C9338E8}"/>
+                  </a:ext>
+                </a:extLst>
+              </p:cNvPr>
+              <p:cNvSpPr>
+                <a:spLocks noGrp="1"/>
+              </p:cNvSpPr>
+              <p:nvPr>
+                <p:ph idx="1"/>
+              </p:nvPr>
+            </p:nvSpPr>
+            <p:spPr/>
+            <p:txBody>
+              <a:bodyPr>
+                <a:normAutofit fontScale="92500" lnSpcReduction="10000"/>
+              </a:bodyPr>
+              <a:lstStyle/>
+              <a:p>
+                <a:r>
+                  <a:rPr lang="en-US" dirty="0" err="1"/>
+                  <a:t>Hàm</a:t>
+                </a:r>
+                <a:r>
+                  <a:rPr lang="en-US" dirty="0"/>
+                  <a:t> </a:t>
+                </a:r>
+                <a:r>
+                  <a:rPr lang="en-US" dirty="0" err="1"/>
+                  <a:t>băm</a:t>
+                </a:r>
+                <a:r>
+                  <a:rPr lang="en-US" dirty="0"/>
+                  <a:t> đ</a:t>
+                </a:r>
+                <a:r>
+                  <a:rPr lang="vi-VN" dirty="0"/>
+                  <a:t>ư</a:t>
+                </a:r>
+                <a:r>
+                  <a:rPr lang="en-US" dirty="0" err="1"/>
+                  <a:t>ợc</a:t>
+                </a:r>
+                <a:r>
+                  <a:rPr lang="en-US" dirty="0"/>
+                  <a:t> </a:t>
+                </a:r>
+                <a:r>
+                  <a:rPr lang="en-US" dirty="0" err="1"/>
+                  <a:t>sử</a:t>
+                </a:r>
+                <a:r>
+                  <a:rPr lang="en-US" dirty="0"/>
+                  <a:t> </a:t>
+                </a:r>
+                <a:r>
+                  <a:rPr lang="en-US" dirty="0" err="1"/>
+                  <a:t>dụng</a:t>
+                </a:r>
+                <a:r>
+                  <a:rPr lang="en-US" dirty="0"/>
+                  <a:t> </a:t>
+                </a:r>
+                <a:r>
+                  <a:rPr lang="en-US" dirty="0" err="1"/>
+                  <a:t>dựa</a:t>
+                </a:r>
+                <a:r>
+                  <a:rPr lang="en-US" dirty="0"/>
+                  <a:t> </a:t>
+                </a:r>
+                <a:r>
+                  <a:rPr lang="en-US" dirty="0" err="1"/>
+                  <a:t>trên</a:t>
+                </a:r>
+                <a:r>
+                  <a:rPr lang="en-US" dirty="0"/>
+                  <a:t> </a:t>
+                </a:r>
+                <a:r>
+                  <a:rPr lang="en-US" dirty="0" err="1"/>
+                  <a:t>đề</a:t>
+                </a:r>
+                <a:r>
+                  <a:rPr lang="en-US" dirty="0"/>
+                  <a:t> </a:t>
+                </a:r>
+                <a:r>
+                  <a:rPr lang="en-US" dirty="0" err="1"/>
+                  <a:t>xuất</a:t>
+                </a:r>
+                <a:r>
+                  <a:rPr lang="en-US" dirty="0"/>
+                  <a:t> </a:t>
+                </a:r>
+                <a:r>
+                  <a:rPr lang="en-US" dirty="0" err="1"/>
+                  <a:t>của</a:t>
+                </a:r>
+                <a:r>
+                  <a:rPr lang="en-US" dirty="0"/>
+                  <a:t> </a:t>
+                </a:r>
+                <a:r>
+                  <a:rPr lang="en-US" dirty="0" err="1"/>
+                  <a:t>của</a:t>
+                </a:r>
+                <a:r>
+                  <a:rPr lang="en-US" dirty="0"/>
+                  <a:t> Donald Knuth </a:t>
+                </a:r>
+                <a:r>
+                  <a:rPr lang="en-US" dirty="0" err="1"/>
+                  <a:t>trong</a:t>
+                </a:r>
+                <a:r>
+                  <a:rPr lang="en-US" dirty="0"/>
+                  <a:t> The Art of Computer Programming volume 3. </a:t>
+                </a:r>
+                <a:r>
+                  <a:rPr lang="en-US" dirty="0" err="1"/>
+                  <a:t>Đây</a:t>
+                </a:r>
+                <a:r>
+                  <a:rPr lang="en-US" dirty="0"/>
+                  <a:t> </a:t>
+                </a:r>
+                <a:r>
+                  <a:rPr lang="en-US" dirty="0" err="1"/>
+                  <a:t>là</a:t>
+                </a:r>
+                <a:r>
+                  <a:rPr lang="en-US" dirty="0"/>
+                  <a:t> </a:t>
+                </a:r>
+                <a:r>
+                  <a:rPr lang="en-US" dirty="0" err="1"/>
+                  <a:t>hàm</a:t>
+                </a:r>
+                <a:r>
+                  <a:rPr lang="en-US" dirty="0"/>
+                  <a:t> </a:t>
+                </a:r>
+                <a:r>
+                  <a:rPr lang="en-US" dirty="0" err="1"/>
+                  <a:t>băm</a:t>
+                </a:r>
+                <a:r>
+                  <a:rPr lang="en-US" dirty="0"/>
+                  <a:t> double hashing.</a:t>
+                </a:r>
+              </a:p>
+              <a:p>
+                <a:pPr lvl="1"/>
+                <a:endParaRPr lang="en-US" dirty="0"/>
+              </a:p>
+              <a:p>
+                <a:pPr lvl="1"/>
+                <a:r>
+                  <a:rPr lang="en-US" dirty="0" err="1"/>
+                  <a:t>Hàm</a:t>
+                </a:r>
+                <a:r>
+                  <a:rPr lang="en-US" dirty="0"/>
+                  <a:t> </a:t>
+                </a:r>
+                <a:r>
+                  <a:rPr lang="en-US" dirty="0" err="1"/>
+                  <a:t>băm</a:t>
+                </a:r>
+                <a:r>
+                  <a:rPr lang="en-US" dirty="0"/>
+                  <a:t> </a:t>
+                </a:r>
+                <a:r>
+                  <a:rPr lang="en-US" dirty="0" err="1"/>
+                  <a:t>thứ</a:t>
+                </a:r>
+                <a:r>
+                  <a:rPr lang="en-US" dirty="0"/>
+                  <a:t> </a:t>
+                </a:r>
+                <a:r>
+                  <a:rPr lang="en-US" dirty="0" err="1"/>
+                  <a:t>nhất</a:t>
+                </a:r>
+                <a:r>
+                  <a:rPr lang="en-US" dirty="0"/>
+                  <a:t>:</a:t>
+                </a:r>
+              </a:p>
+              <a:p>
+                <a:pPr marL="201168" lvl="1" indent="0">
+                  <a:buNone/>
+                </a:pPr>
+                <a:r>
+                  <a:rPr lang="en-US" i="1" dirty="0"/>
+                  <a:t>			</a:t>
+                </a:r>
+                <a14:m>
+                  <m:oMath xmlns:m="http://schemas.openxmlformats.org/officeDocument/2006/math">
+                    <m:sSub>
+                      <m:sSubPr>
+                        <m:ctrlPr>
+                          <a:rPr lang="en-US" i="1">
+                            <a:latin typeface="Cambria Math" panose="02040503050406030204" pitchFamily="18" charset="0"/>
+                          </a:rPr>
+                        </m:ctrlPr>
+                      </m:sSubPr>
+                      <m:e>
+                        <m:r>
+                          <a:rPr lang="en-US" i="1">
+                            <a:latin typeface="Cambria Math" panose="02040503050406030204" pitchFamily="18" charset="0"/>
+                          </a:rPr>
+                          <m:t>h</m:t>
+                        </m:r>
+                      </m:e>
+                      <m:sub>
+                        <m:r>
+                          <a:rPr lang="en-US" i="1">
+                            <a:latin typeface="Cambria Math" panose="02040503050406030204" pitchFamily="18" charset="0"/>
+                          </a:rPr>
+                          <m:t>1</m:t>
+                        </m:r>
+                      </m:sub>
+                    </m:sSub>
+                    <m:d>
+                      <m:dPr>
+                        <m:ctrlPr>
+                          <a:rPr lang="en-US" i="1">
+                            <a:latin typeface="Cambria Math" panose="02040503050406030204" pitchFamily="18" charset="0"/>
+                          </a:rPr>
+                        </m:ctrlPr>
+                      </m:dPr>
+                      <m:e>
+                        <m:r>
+                          <a:rPr lang="en-US" i="1">
+                            <a:latin typeface="Cambria Math" panose="02040503050406030204" pitchFamily="18" charset="0"/>
+                          </a:rPr>
+                          <m:t>𝐾</m:t>
+                        </m:r>
+                      </m:e>
+                    </m:d>
+                    <m:r>
+                      <a:rPr lang="en-US" i="1">
+                        <a:latin typeface="Cambria Math" panose="02040503050406030204" pitchFamily="18" charset="0"/>
+                      </a:rPr>
+                      <m:t>=</m:t>
+                    </m:r>
+                    <m:sSub>
+                      <m:sSubPr>
+                        <m:ctrlPr>
+                          <a:rPr lang="en-US" i="1">
+                            <a:latin typeface="Cambria Math" panose="02040503050406030204" pitchFamily="18" charset="0"/>
+                          </a:rPr>
+                        </m:ctrlPr>
+                      </m:sSubPr>
+                      <m:e>
+                        <m:r>
+                          <a:rPr lang="en-US" i="1">
+                            <a:latin typeface="Cambria Math" panose="02040503050406030204" pitchFamily="18" charset="0"/>
+                          </a:rPr>
+                          <m:t>(</m:t>
+                        </m:r>
+                        <m:r>
+                          <a:rPr lang="en-US" i="1">
+                            <a:latin typeface="Cambria Math" panose="02040503050406030204" pitchFamily="18" charset="0"/>
+                          </a:rPr>
+                          <m:t>h</m:t>
+                        </m:r>
+                      </m:e>
+                      <m:sub>
+                        <m:r>
+                          <a:rPr lang="en-US" i="1">
+                            <a:latin typeface="Cambria Math" panose="02040503050406030204" pitchFamily="18" charset="0"/>
+                          </a:rPr>
+                          <m:t>𝑣𝑎𝑙</m:t>
+                        </m:r>
+                      </m:sub>
+                    </m:sSub>
+                    <m:r>
+                      <a:rPr lang="en-US" i="1">
+                        <a:latin typeface="Cambria Math" panose="02040503050406030204" pitchFamily="18" charset="0"/>
+                      </a:rPr>
+                      <m:t> </m:t>
+                    </m:r>
+                    <m:r>
+                      <a:rPr lang="en-US" i="1">
+                        <a:latin typeface="Cambria Math" panose="02040503050406030204" pitchFamily="18" charset="0"/>
+                      </a:rPr>
+                      <m:t>𝑚𝑜𝑑</m:t>
+                    </m:r>
+                    <m:r>
+                      <a:rPr lang="en-US" i="1">
+                        <a:latin typeface="Cambria Math" panose="02040503050406030204" pitchFamily="18" charset="0"/>
+                      </a:rPr>
+                      <m:t> </m:t>
+                    </m:r>
+                    <m:r>
+                      <a:rPr lang="en-US" i="1">
+                        <a:latin typeface="Cambria Math" panose="02040503050406030204" pitchFamily="18" charset="0"/>
+                      </a:rPr>
+                      <m:t>𝑡𝑎𝑏𝑙𝑒</m:t>
+                    </m:r>
+                    <m:r>
+                      <a:rPr lang="en-US" i="1">
+                        <a:latin typeface="Cambria Math" panose="02040503050406030204" pitchFamily="18" charset="0"/>
+                      </a:rPr>
+                      <m:t>_</m:t>
+                    </m:r>
+                    <m:r>
+                      <a:rPr lang="en-US" i="1">
+                        <a:latin typeface="Cambria Math" panose="02040503050406030204" pitchFamily="18" charset="0"/>
+                      </a:rPr>
+                      <m:t>𝑠𝑖𝑧𝑒</m:t>
+                    </m:r>
+                    <m:r>
+                      <a:rPr lang="en-US" i="1">
+                        <a:latin typeface="Cambria Math" panose="02040503050406030204" pitchFamily="18" charset="0"/>
+                      </a:rPr>
+                      <m:t>)+</m:t>
+                    </m:r>
+                    <m:r>
+                      <a:rPr lang="en-US" i="1">
+                        <a:latin typeface="Cambria Math" panose="02040503050406030204" pitchFamily="18" charset="0"/>
+                      </a:rPr>
+                      <m:t>1</m:t>
+                    </m:r>
+                  </m:oMath>
+                </a14:m>
+                <a:endParaRPr lang="en-US" dirty="0"/>
+              </a:p>
+              <a:p>
+                <a:pPr marL="201168" lvl="1" indent="0">
+                  <a:buNone/>
+                </a:pPr>
+                <a:endParaRPr lang="en-US" dirty="0"/>
+              </a:p>
+              <a:p>
+                <a:pPr marL="201168" lvl="1" indent="0">
+                  <a:buNone/>
+                </a:pPr>
+                <a:r>
+                  <a:rPr lang="en-US" sz="2200" dirty="0" err="1"/>
+                  <a:t>Với</a:t>
+                </a:r>
+                <a:r>
+                  <a:rPr lang="en-US" sz="2200" dirty="0"/>
+                  <a:t>:</a:t>
+                </a:r>
+              </a:p>
+              <a:p>
+                <a:pPr marL="201168" lvl="1" indent="0">
+                  <a:buNone/>
+                </a:pPr>
+                <a14:m>
+                  <m:oMathPara xmlns:m="http://schemas.openxmlformats.org/officeDocument/2006/math">
+                    <m:oMathParaPr>
+                      <m:jc m:val="centerGroup"/>
+                    </m:oMathParaPr>
+                    <m:oMath xmlns:m="http://schemas.openxmlformats.org/officeDocument/2006/math">
+                      <m:sSub>
+                        <m:sSubPr>
+                          <m:ctrlPr>
+                            <a:rPr lang="en-US" sz="2200" i="1"/>
+                          </m:ctrlPr>
+                        </m:sSubPr>
+                        <m:e>
+                          <m:r>
+                            <a:rPr lang="en-US" sz="2200" i="1"/>
+                            <m:t>h</m:t>
+                          </m:r>
+                        </m:e>
+                        <m:sub>
+                          <m:r>
+                            <a:rPr lang="en-US" sz="2200" i="1"/>
+                            <m:t>𝑣𝑎𝑙</m:t>
+                          </m:r>
+                        </m:sub>
+                      </m:sSub>
+                      <m:r>
+                        <a:rPr lang="en-US" sz="2200" i="1"/>
+                        <m:t>= </m:t>
+                      </m:r>
+                      <m:r>
+                        <a:rPr lang="en-US" sz="2200" i="1"/>
+                        <m:t>𝑛</m:t>
+                      </m:r>
+                      <m:r>
+                        <a:rPr lang="en-US" sz="2200" i="1"/>
+                        <m:t> . </m:t>
+                      </m:r>
+                      <m:sSup>
+                        <m:sSupPr>
+                          <m:ctrlPr>
+                            <a:rPr lang="en-US" sz="2200" i="1"/>
+                          </m:ctrlPr>
+                        </m:sSupPr>
+                        <m:e>
+                          <m:r>
+                            <a:rPr lang="en-US" sz="2200" i="1"/>
+                            <m:t>16</m:t>
+                          </m:r>
+                        </m:e>
+                        <m:sup>
+                          <m:r>
+                            <a:rPr lang="en-US" sz="2200" i="1"/>
+                            <m:t>𝑛</m:t>
+                          </m:r>
+                        </m:sup>
+                      </m:sSup>
+                      <m:r>
+                        <a:rPr lang="en-US" sz="2200" i="1"/>
+                        <m:t>+ </m:t>
+                      </m:r>
+                      <m:nary>
+                        <m:naryPr>
+                          <m:chr m:val="∑"/>
+                          <m:limLoc m:val="undOvr"/>
+                          <m:ctrlPr>
+                            <a:rPr lang="en-US" sz="2200" i="1"/>
+                          </m:ctrlPr>
+                        </m:naryPr>
+                        <m:sub>
+                          <m:r>
+                            <a:rPr lang="en-US" sz="2200" i="1"/>
+                            <m:t>𝑖</m:t>
+                          </m:r>
+                          <m:r>
+                            <a:rPr lang="en-US" sz="2200" i="1"/>
+                            <m:t>=</m:t>
+                          </m:r>
+                          <m:r>
+                            <a:rPr lang="en-US" sz="2200" i="1"/>
+                            <m:t>0</m:t>
+                          </m:r>
+                        </m:sub>
+                        <m:sup>
+                          <m:r>
+                            <a:rPr lang="en-US" sz="2200" i="1"/>
+                            <m:t>𝑛</m:t>
+                          </m:r>
+                          <m:r>
+                            <a:rPr lang="en-US" sz="2200" i="1"/>
+                            <m:t>−</m:t>
+                          </m:r>
+                          <m:r>
+                            <a:rPr lang="en-US" sz="2200" i="1"/>
+                            <m:t>1</m:t>
+                          </m:r>
+                        </m:sup>
+                        <m:e>
+                          <m:sSub>
+                            <m:sSubPr>
+                              <m:ctrlPr>
+                                <a:rPr lang="en-US" sz="2200" i="1"/>
+                              </m:ctrlPr>
+                            </m:sSubPr>
+                            <m:e>
+                              <m:r>
+                                <a:rPr lang="en-US" sz="2200" i="1"/>
+                                <m:t>( </m:t>
+                              </m:r>
+                              <m:sSup>
+                                <m:sSupPr>
+                                  <m:ctrlPr>
+                                    <a:rPr lang="en-US" sz="2200" i="1"/>
+                                  </m:ctrlPr>
+                                </m:sSupPr>
+                                <m:e>
+                                  <m:r>
+                                    <a:rPr lang="en-US" sz="2200" i="1"/>
+                                    <m:t>16</m:t>
+                                  </m:r>
+                                </m:e>
+                                <m:sup>
+                                  <m:r>
+                                    <a:rPr lang="en-US" sz="2200" i="1"/>
+                                    <m:t>𝑖</m:t>
+                                  </m:r>
+                                </m:sup>
+                              </m:sSup>
+                              <m:r>
+                                <a:rPr lang="en-US" sz="2200" i="1"/>
+                                <m:t>. </m:t>
+                              </m:r>
+                              <m:r>
+                                <a:rPr lang="en-US" sz="2200" i="1"/>
+                                <m:t>𝐾</m:t>
+                              </m:r>
+                            </m:e>
+                            <m:sub>
+                              <m:r>
+                                <a:rPr lang="en-US" sz="2200" i="1"/>
+                                <m:t>𝑖</m:t>
+                              </m:r>
+                            </m:sub>
+                          </m:sSub>
+                          <m:r>
+                            <a:rPr lang="en-US" sz="2200" i="1"/>
+                            <m:t>)</m:t>
+                          </m:r>
+                        </m:e>
+                      </m:nary>
+                    </m:oMath>
+                  </m:oMathPara>
+                </a14:m>
+                <a:endParaRPr lang="en-US" sz="2200" dirty="0"/>
+              </a:p>
+              <a:p>
+                <a:pPr marL="201168" lvl="1" indent="0">
+                  <a:buNone/>
+                </a:pPr>
+                <a:endParaRPr lang="en-US" dirty="0"/>
+              </a:p>
+            </p:txBody>
+          </p:sp>
+        </mc:Choice>
+        <mc:Fallback>
+          <p:sp>
+            <p:nvSpPr>
+              <p:cNvPr id="3" name="Chỗ dành sẵn cho Nội dung 2">
+                <a:extLst>
+                  <a:ext uri="{FF2B5EF4-FFF2-40B4-BE49-F238E27FC236}">
+                    <a16:creationId xmlns:a16="http://schemas.microsoft.com/office/drawing/2014/main" id="{7D5D4CAD-D957-48E0-89C6-150F5C9338E8}"/>
+                  </a:ext>
+                </a:extLst>
+              </p:cNvPr>
+              <p:cNvSpPr>
+                <a:spLocks noGrp="1" noRot="1" noChangeAspect="1" noMove="1" noResize="1" noEditPoints="1" noAdjustHandles="1" noChangeArrowheads="1" noChangeShapeType="1" noTextEdit="1"/>
+              </p:cNvSpPr>
+              <p:nvPr>
+                <p:ph idx="1"/>
+              </p:nvPr>
+            </p:nvSpPr>
+            <p:spPr>
+              <a:blipFill>
+                <a:blip r:embed="rId2"/>
+                <a:stretch>
+                  <a:fillRect l="-1394" t="-4242" r="-1030"/>
+                </a:stretch>
+              </a:blipFill>
+            </p:spPr>
+            <p:txBody>
+              <a:bodyPr/>
+              <a:lstStyle/>
+              <a:p>
+                <a:r>
+                  <a:rPr lang="en-US">
+                    <a:noFill/>
+                  </a:rPr>
+                  <a:t> </a:t>
+                </a:r>
+              </a:p>
+            </p:txBody>
+          </p:sp>
+        </mc:Fallback>
+      </mc:AlternateContent>
+      <p:sp>
+        <p:nvSpPr>
+          <p:cNvPr id="4" name="Chỗ dành sẵn cho Số hiệu Bản chiếu 3">
+            <a:extLst>
+              <a:ext uri="{FF2B5EF4-FFF2-40B4-BE49-F238E27FC236}">
+                <a16:creationId xmlns:a16="http://schemas.microsoft.com/office/drawing/2014/main" id="{B9774AE6-D4DD-46F6-B1D2-928FB2B7A053}"/>
+              </a:ext>
+            </a:extLst>
+          </p:cNvPr>
+          <p:cNvSpPr>
+            <a:spLocks noGrp="1"/>
+          </p:cNvSpPr>
+          <p:nvPr>
+            <p:ph type="sldNum" sz="quarter" idx="12"/>
+          </p:nvPr>
+        </p:nvSpPr>
+        <p:spPr/>
+        <p:txBody>
+          <a:bodyPr/>
+          <a:lstStyle/>
+          <a:p>
+            <a:fld id="{9514B7F1-BB48-43C4-8AAC-DDDF7391C027}" type="slidenum">
+              <a:rPr lang="en-US" smtClean="0"/>
+              <a:t>17</a:t>
+            </a:fld>
+            <a:endParaRPr lang="en-US"/>
+          </a:p>
+        </p:txBody>
+      </p:sp>
+    </p:spTree>
+    <p:extLst>
+      <p:ext uri="{BB962C8B-B14F-4D97-AF65-F5344CB8AC3E}">
+        <p14:creationId xmlns:p14="http://schemas.microsoft.com/office/powerpoint/2010/main" val="2588019903"/>
+      </p:ext>
+    </p:extLst>
+  </p:cSld>
+  <p:clrMapOvr>
+    <a:masterClrMapping/>
+  </p:clrMapOvr>
+</p:sld>
+</file>
+
+<file path=ppt/slides/slide18.xml><?xml version="1.0" encoding="utf-8"?>
+<p:sld xmlns:a="http://schemas.openxmlformats.org/drawingml/2006/main" xmlns:r="http://schemas.openxmlformats.org/officeDocument/2006/relationships" xmlns:p="http://schemas.openxmlformats.org/presentationml/2006/main">
+  <p:cSld>
+    <p:spTree>
+      <p:nvGrpSpPr>
+        <p:cNvPr id="1" name=""/>
+        <p:cNvGrpSpPr/>
+        <p:nvPr/>
+      </p:nvGrpSpPr>
+      <p:grpSpPr>
+        <a:xfrm>
+          <a:off x="0" y="0"/>
+          <a:ext cx="0" cy="0"/>
+          <a:chOff x="0" y="0"/>
+          <a:chExt cx="0" cy="0"/>
+        </a:xfrm>
+      </p:grpSpPr>
+      <p:sp>
+        <p:nvSpPr>
+          <p:cNvPr id="2" name="Tiêu đề 1">
+            <a:extLst>
+              <a:ext uri="{FF2B5EF4-FFF2-40B4-BE49-F238E27FC236}">
+                <a16:creationId xmlns:a16="http://schemas.microsoft.com/office/drawing/2014/main" id="{CE298786-2CF9-4A98-A6C6-0142B4CCAC55}"/>
+              </a:ext>
+            </a:extLst>
+          </p:cNvPr>
+          <p:cNvSpPr>
+            <a:spLocks noGrp="1"/>
+          </p:cNvSpPr>
+          <p:nvPr>
+            <p:ph type="title"/>
+          </p:nvPr>
+        </p:nvSpPr>
+        <p:spPr/>
+        <p:txBody>
+          <a:bodyPr/>
+          <a:lstStyle/>
+          <a:p>
+            <a:r>
+              <a:rPr lang="en-US" dirty="0"/>
+              <a:t>2. </a:t>
+            </a:r>
+            <a:r>
+              <a:rPr lang="en-US" dirty="0" err="1"/>
+              <a:t>Kiến</a:t>
+            </a:r>
+            <a:r>
+              <a:rPr lang="en-US" dirty="0"/>
+              <a:t> </a:t>
+            </a:r>
+            <a:r>
+              <a:rPr lang="en-US" dirty="0" err="1"/>
+              <a:t>trúc</a:t>
+            </a:r>
+            <a:r>
+              <a:rPr lang="en-US" dirty="0"/>
+              <a:t> </a:t>
+            </a:r>
+            <a:r>
+              <a:rPr lang="en-US" dirty="0" err="1"/>
+              <a:t>thiết</a:t>
+            </a:r>
+            <a:r>
+              <a:rPr lang="en-US" dirty="0"/>
+              <a:t> </a:t>
+            </a:r>
+            <a:r>
+              <a:rPr lang="en-US" dirty="0" err="1"/>
+              <a:t>kế</a:t>
+            </a:r>
+            <a:endParaRPr lang="en-US" dirty="0"/>
+          </a:p>
+        </p:txBody>
+      </p:sp>
+      <mc:AlternateContent xmlns:mc="http://schemas.openxmlformats.org/markup-compatibility/2006">
+        <mc:Choice xmlns:a14="http://schemas.microsoft.com/office/drawing/2010/main" Requires="a14">
+          <p:sp>
+            <p:nvSpPr>
+              <p:cNvPr id="3" name="Chỗ dành sẵn cho Nội dung 2">
+                <a:extLst>
+                  <a:ext uri="{FF2B5EF4-FFF2-40B4-BE49-F238E27FC236}">
+                    <a16:creationId xmlns:a16="http://schemas.microsoft.com/office/drawing/2014/main" id="{B08F9A4C-19AC-4F0B-A82C-BAE545F4F6CB}"/>
+                  </a:ext>
+                </a:extLst>
+              </p:cNvPr>
+              <p:cNvSpPr>
+                <a:spLocks noGrp="1"/>
+              </p:cNvSpPr>
+              <p:nvPr>
+                <p:ph idx="1"/>
+              </p:nvPr>
+            </p:nvSpPr>
+            <p:spPr/>
+            <p:txBody>
+              <a:bodyPr>
+                <a:normAutofit/>
+              </a:bodyPr>
+              <a:lstStyle/>
+              <a:p>
+                <a:pPr lvl="1"/>
+                <a:r>
+                  <a:rPr lang="en-US" dirty="0" err="1"/>
+                  <a:t>Hàm</a:t>
+                </a:r>
+                <a:r>
+                  <a:rPr lang="en-US" dirty="0"/>
+                  <a:t> </a:t>
+                </a:r>
+                <a:r>
+                  <a:rPr lang="en-US" dirty="0" err="1"/>
+                  <a:t>băm</a:t>
+                </a:r>
+                <a:r>
+                  <a:rPr lang="en-US" dirty="0"/>
+                  <a:t> </a:t>
+                </a:r>
+                <a:r>
+                  <a:rPr lang="en-US" dirty="0" err="1"/>
+                  <a:t>thứ</a:t>
+                </a:r>
+                <a:r>
+                  <a:rPr lang="en-US" dirty="0"/>
+                  <a:t> </a:t>
+                </a:r>
+                <a:r>
+                  <a:rPr lang="en-US" dirty="0" err="1"/>
+                  <a:t>hai</a:t>
+                </a:r>
+                <a:endParaRPr lang="en-US" dirty="0"/>
+              </a:p>
+              <a:p>
+                <a:pPr marL="201168" lvl="1" indent="0">
+                  <a:buNone/>
+                </a:pPr>
+                <a14:m>
+                  <m:oMathPara xmlns:m="http://schemas.openxmlformats.org/officeDocument/2006/math">
+                    <m:oMathParaPr>
+                      <m:jc m:val="centerGroup"/>
+                    </m:oMathParaPr>
+                    <m:oMath xmlns:m="http://schemas.openxmlformats.org/officeDocument/2006/math">
+                      <m:sSub>
+                        <m:sSubPr>
+                          <m:ctrlPr>
+                            <a:rPr lang="en-US" i="1">
+                              <a:latin typeface="Cambria Math" panose="02040503050406030204" pitchFamily="18" charset="0"/>
+                            </a:rPr>
+                          </m:ctrlPr>
+                        </m:sSubPr>
+                        <m:e>
+                          <m:r>
+                            <a:rPr lang="en-US" i="1">
+                              <a:latin typeface="Cambria Math" panose="02040503050406030204" pitchFamily="18" charset="0"/>
+                            </a:rPr>
+                            <m:t>h</m:t>
+                          </m:r>
+                        </m:e>
+                        <m:sub>
+                          <m:r>
+                            <a:rPr lang="en-US" i="1">
+                              <a:latin typeface="Cambria Math" panose="02040503050406030204" pitchFamily="18" charset="0"/>
+                            </a:rPr>
+                            <m:t>2</m:t>
+                          </m:r>
+                        </m:sub>
+                      </m:sSub>
+                      <m:d>
+                        <m:dPr>
+                          <m:ctrlPr>
+                            <a:rPr lang="en-US" i="1">
+                              <a:latin typeface="Cambria Math" panose="02040503050406030204" pitchFamily="18" charset="0"/>
+                            </a:rPr>
+                          </m:ctrlPr>
+                        </m:dPr>
+                        <m:e>
+                          <m:r>
+                            <a:rPr lang="en-US" i="1">
+                              <a:latin typeface="Cambria Math" panose="02040503050406030204" pitchFamily="18" charset="0"/>
+                            </a:rPr>
+                            <m:t>𝐾</m:t>
+                          </m:r>
+                        </m:e>
+                      </m:d>
+                      <m:r>
+                        <a:rPr lang="en-US" i="1">
+                          <a:latin typeface="Cambria Math" panose="02040503050406030204" pitchFamily="18" charset="0"/>
+                        </a:rPr>
+                        <m:t>= </m:t>
+                      </m:r>
+                      <m:d>
+                        <m:dPr>
+                          <m:begChr m:val="{"/>
+                          <m:endChr m:val=""/>
+                          <m:ctrlPr>
+                            <a:rPr lang="en-US" i="1">
+                              <a:latin typeface="Cambria Math" panose="02040503050406030204" pitchFamily="18" charset="0"/>
+                            </a:rPr>
+                          </m:ctrlPr>
+                        </m:dPr>
+                        <m:e>
+                          <m:eqArr>
+                            <m:eqArrPr>
+                              <m:ctrlPr>
+                                <a:rPr lang="en-US" i="1">
+                                  <a:latin typeface="Cambria Math" panose="02040503050406030204" pitchFamily="18" charset="0"/>
+                                </a:rPr>
+                              </m:ctrlPr>
+                            </m:eqArrPr>
+                            <m:e>
+                              <m:r>
+                                <a:rPr lang="en-US" i="1">
+                                  <a:latin typeface="Cambria Math" panose="02040503050406030204" pitchFamily="18" charset="0"/>
+                                </a:rPr>
+                                <m:t>𝑡𝑎𝑏𝑙𝑒</m:t>
+                              </m:r>
+                              <m:r>
+                                <a:rPr lang="en-US" i="1">
+                                  <a:latin typeface="Cambria Math" panose="02040503050406030204" pitchFamily="18" charset="0"/>
+                                </a:rPr>
+                                <m:t>_</m:t>
+                              </m:r>
+                              <m:r>
+                                <a:rPr lang="en-US" i="1">
+                                  <a:latin typeface="Cambria Math" panose="02040503050406030204" pitchFamily="18" charset="0"/>
+                                </a:rPr>
+                                <m:t>𝑠𝑖𝑧𝑒</m:t>
+                              </m:r>
+                              <m:r>
+                                <a:rPr lang="en-US" i="1">
+                                  <a:latin typeface="Cambria Math" panose="02040503050406030204" pitchFamily="18" charset="0"/>
+                                </a:rPr>
+                                <m:t>+</m:t>
+                              </m:r>
+                              <m:r>
+                                <a:rPr lang="en-US" i="1">
+                                  <a:latin typeface="Cambria Math" panose="02040503050406030204" pitchFamily="18" charset="0"/>
+                                </a:rPr>
+                                <m:t>𝑖𝑛𝑑𝑒𝑥</m:t>
+                              </m:r>
+                              <m:r>
+                                <a:rPr lang="en-US" i="1">
+                                  <a:latin typeface="Cambria Math" panose="02040503050406030204" pitchFamily="18" charset="0"/>
+                                </a:rPr>
+                                <m:t>−</m:t>
+                              </m:r>
+                              <m:sSub>
+                                <m:sSubPr>
+                                  <m:ctrlPr>
+                                    <a:rPr lang="en-US" i="1">
+                                      <a:latin typeface="Cambria Math" panose="02040503050406030204" pitchFamily="18" charset="0"/>
+                                    </a:rPr>
+                                  </m:ctrlPr>
+                                </m:sSubPr>
+                                <m:e>
+                                  <m:r>
+                                    <a:rPr lang="en-US" i="1">
+                                      <a:latin typeface="Cambria Math" panose="02040503050406030204" pitchFamily="18" charset="0"/>
+                                    </a:rPr>
+                                    <m:t>h</m:t>
+                                  </m:r>
+                                </m:e>
+                                <m:sub>
+                                  <m:r>
+                                    <a:rPr lang="en-US" i="1">
+                                      <a:latin typeface="Cambria Math" panose="02040503050406030204" pitchFamily="18" charset="0"/>
+                                    </a:rPr>
+                                    <m:t>𝑣𝑎𝑙</m:t>
+                                  </m:r>
+                                  <m:r>
+                                    <a:rPr lang="en-US" i="1">
+                                      <a:latin typeface="Cambria Math" panose="02040503050406030204" pitchFamily="18" charset="0"/>
+                                    </a:rPr>
+                                    <m:t>2</m:t>
+                                  </m:r>
+                                </m:sub>
+                              </m:sSub>
+                            </m:e>
+                            <m:e>
+                              <m:r>
+                                <a:rPr lang="en-US" i="1">
+                                  <a:latin typeface="Cambria Math" panose="02040503050406030204" pitchFamily="18" charset="0"/>
+                                </a:rPr>
+                                <m:t>𝑖𝑛𝑑𝑒𝑥</m:t>
+                              </m:r>
+                              <m:r>
+                                <a:rPr lang="en-US" i="1">
+                                  <a:latin typeface="Cambria Math" panose="02040503050406030204" pitchFamily="18" charset="0"/>
+                                </a:rPr>
+                                <m:t>−</m:t>
+                              </m:r>
+                              <m:sSub>
+                                <m:sSubPr>
+                                  <m:ctrlPr>
+                                    <a:rPr lang="en-US" i="1">
+                                      <a:latin typeface="Cambria Math" panose="02040503050406030204" pitchFamily="18" charset="0"/>
+                                    </a:rPr>
+                                  </m:ctrlPr>
+                                </m:sSubPr>
+                                <m:e>
+                                  <m:r>
+                                    <a:rPr lang="en-US" i="1">
+                                      <a:latin typeface="Cambria Math" panose="02040503050406030204" pitchFamily="18" charset="0"/>
+                                    </a:rPr>
+                                    <m:t>h</m:t>
+                                  </m:r>
+                                </m:e>
+                                <m:sub>
+                                  <m:r>
+                                    <a:rPr lang="en-US" i="1">
+                                      <a:latin typeface="Cambria Math" panose="02040503050406030204" pitchFamily="18" charset="0"/>
+                                    </a:rPr>
+                                    <m:t>𝑣𝑎𝑙</m:t>
+                                  </m:r>
+                                  <m:r>
+                                    <a:rPr lang="en-US" i="1">
+                                      <a:latin typeface="Cambria Math" panose="02040503050406030204" pitchFamily="18" charset="0"/>
+                                    </a:rPr>
+                                    <m:t>2</m:t>
+                                  </m:r>
+                                </m:sub>
+                              </m:sSub>
+                            </m:e>
+                          </m:eqArr>
+                        </m:e>
+                      </m:d>
+                    </m:oMath>
+                  </m:oMathPara>
+                </a14:m>
+                <a:endParaRPr lang="en-US" dirty="0"/>
+              </a:p>
+              <a:p>
+                <a:pPr marL="201168" lvl="1" indent="0">
+                  <a:buNone/>
+                </a:pPr>
+                <a:endParaRPr lang="en-US" dirty="0"/>
+              </a:p>
+              <a:p>
+                <a:pPr marL="201168" lvl="1" indent="0">
+                  <a:buNone/>
+                </a:pPr>
+                <a:r>
+                  <a:rPr lang="en-US" sz="2400" dirty="0" err="1"/>
+                  <a:t>Với</a:t>
+                </a:r>
+                <a:r>
+                  <a:rPr lang="en-US" sz="2400" dirty="0"/>
+                  <a:t>: </a:t>
+                </a:r>
+              </a:p>
+              <a:p>
+                <a:pPr marL="201168" lvl="1" indent="0">
+                  <a:buNone/>
+                </a:pPr>
+                <a14:m>
+                  <m:oMathPara xmlns:m="http://schemas.openxmlformats.org/officeDocument/2006/math">
+                    <m:oMathParaPr>
+                      <m:jc m:val="centerGroup"/>
+                    </m:oMathParaPr>
+                    <m:oMath xmlns:m="http://schemas.openxmlformats.org/officeDocument/2006/math">
+                      <m:r>
+                        <a:rPr lang="en-US" sz="2400" i="1"/>
+                        <m:t>𝑖𝑛𝑑𝑒𝑥</m:t>
+                      </m:r>
+                      <m:r>
+                        <a:rPr lang="en-US" sz="2400" i="1"/>
+                        <m:t>= </m:t>
+                      </m:r>
+                      <m:d>
+                        <m:dPr>
+                          <m:begChr m:val="{"/>
+                          <m:endChr m:val=""/>
+                          <m:ctrlPr>
+                            <a:rPr lang="en-US" sz="2400" i="1"/>
+                          </m:ctrlPr>
+                        </m:dPr>
+                        <m:e>
+                          <m:eqArr>
+                            <m:eqArrPr>
+                              <m:ctrlPr>
+                                <a:rPr lang="en-US" sz="2400" i="1"/>
+                              </m:ctrlPr>
+                            </m:eqArrPr>
+                            <m:e>
+                              <m:sSub>
+                                <m:sSubPr>
+                                  <m:ctrlPr>
+                                    <a:rPr lang="en-US" sz="2400" i="1"/>
+                                  </m:ctrlPr>
+                                </m:sSubPr>
+                                <m:e>
+                                  <m:r>
+                                    <a:rPr lang="en-US" sz="2400" i="1"/>
+                                    <m:t>h</m:t>
+                                  </m:r>
+                                </m:e>
+                                <m:sub>
+                                  <m:r>
+                                    <a:rPr lang="en-US" sz="2400" i="1"/>
+                                    <m:t>1</m:t>
+                                  </m:r>
+                                </m:sub>
+                              </m:sSub>
+                              <m:d>
+                                <m:dPr>
+                                  <m:ctrlPr>
+                                    <a:rPr lang="en-US" sz="2400" i="1"/>
+                                  </m:ctrlPr>
+                                </m:dPr>
+                                <m:e>
+                                  <m:r>
+                                    <a:rPr lang="en-US" sz="2400" i="1"/>
+                                    <m:t>𝐾</m:t>
+                                  </m:r>
+                                </m:e>
+                              </m:d>
+                              <m:r>
+                                <a:rPr lang="en-US" sz="2400" i="1"/>
+                                <m:t>                       </m:t>
+                              </m:r>
+                              <m:r>
+                                <a:rPr lang="en-US" sz="2400" i="1"/>
+                                <m:t>𝑛</m:t>
+                              </m:r>
+                              <m:r>
+                                <a:rPr lang="en-US" sz="2400" i="1"/>
+                                <m:t>ế</m:t>
+                              </m:r>
+                              <m:r>
+                                <a:rPr lang="en-US" sz="2400" i="1"/>
+                                <m:t>𝑢</m:t>
+                              </m:r>
+                              <m:r>
+                                <a:rPr lang="en-US" sz="2400" i="1"/>
+                                <m:t> </m:t>
+                              </m:r>
+                              <m:sSub>
+                                <m:sSubPr>
+                                  <m:ctrlPr>
+                                    <a:rPr lang="en-US" sz="2400" i="1"/>
+                                  </m:ctrlPr>
+                                </m:sSubPr>
+                                <m:e>
+                                  <m:r>
+                                    <a:rPr lang="en-US" sz="2400" i="1"/>
+                                    <m:t>h</m:t>
+                                  </m:r>
+                                </m:e>
+                                <m:sub>
+                                  <m:r>
+                                    <a:rPr lang="en-US" sz="2400" i="1"/>
+                                    <m:t>2</m:t>
+                                  </m:r>
+                                </m:sub>
+                              </m:sSub>
+                              <m:d>
+                                <m:dPr>
+                                  <m:ctrlPr>
+                                    <a:rPr lang="en-US" sz="2400" i="1"/>
+                                  </m:ctrlPr>
+                                </m:dPr>
+                                <m:e>
+                                  <m:r>
+                                    <a:rPr lang="en-US" sz="2400" i="1"/>
+                                    <m:t>𝐾</m:t>
+                                  </m:r>
+                                </m:e>
+                              </m:d>
+                              <m:r>
+                                <a:rPr lang="en-US" sz="2400" i="1"/>
+                                <m:t> đượ</m:t>
+                              </m:r>
+                              <m:r>
+                                <a:rPr lang="en-US" sz="2400" i="1"/>
+                                <m:t>𝑐</m:t>
+                              </m:r>
+                              <m:r>
+                                <a:rPr lang="en-US" sz="2400" i="1"/>
+                                <m:t> </m:t>
+                              </m:r>
+                              <m:r>
+                                <a:rPr lang="en-US" sz="2400" i="1"/>
+                                <m:t>𝑡h</m:t>
+                              </m:r>
+                              <m:r>
+                                <a:rPr lang="en-US" sz="2400" i="1"/>
+                                <m:t>ự</m:t>
+                              </m:r>
+                              <m:r>
+                                <a:rPr lang="en-US" sz="2400" i="1"/>
+                                <m:t>𝑐</m:t>
+                              </m:r>
+                              <m:r>
+                                <a:rPr lang="en-US" sz="2400" i="1"/>
+                                <m:t> </m:t>
+                              </m:r>
+                              <m:r>
+                                <a:rPr lang="en-US" sz="2400" i="1"/>
+                                <m:t>h𝑖</m:t>
+                              </m:r>
+                              <m:r>
+                                <a:rPr lang="en-US" sz="2400" i="1"/>
+                                <m:t>ệ</m:t>
+                              </m:r>
+                              <m:r>
+                                <a:rPr lang="en-US" sz="2400" i="1"/>
+                                <m:t>𝑛</m:t>
+                              </m:r>
+                              <m:r>
+                                <a:rPr lang="en-US" sz="2400" i="1"/>
+                                <m:t> </m:t>
+                              </m:r>
+                              <m:r>
+                                <a:rPr lang="en-US" sz="2400" i="1"/>
+                                <m:t>𝑙</m:t>
+                              </m:r>
+                              <m:r>
+                                <a:rPr lang="en-US" sz="2400" i="1"/>
+                                <m:t>ầ</m:t>
+                              </m:r>
+                              <m:r>
+                                <a:rPr lang="en-US" sz="2400" i="1"/>
+                                <m:t>𝑛</m:t>
+                              </m:r>
+                              <m:r>
+                                <a:rPr lang="en-US" sz="2400" i="1"/>
+                                <m:t> đầ</m:t>
+                              </m:r>
+                              <m:r>
+                                <a:rPr lang="en-US" sz="2400" i="1"/>
+                                <m:t>𝑢</m:t>
+                              </m:r>
+                            </m:e>
+                            <m:e>
+                              <m:sSub>
+                                <m:sSubPr>
+                                  <m:ctrlPr>
+                                    <a:rPr lang="en-US" sz="2400" i="1"/>
+                                  </m:ctrlPr>
+                                </m:sSubPr>
+                                <m:e>
+                                  <m:r>
+                                    <a:rPr lang="en-US" sz="2400" i="1"/>
+                                    <m:t>h</m:t>
+                                  </m:r>
+                                </m:e>
+                                <m:sub>
+                                  <m:r>
+                                    <a:rPr lang="en-US" sz="2400" i="1"/>
+                                    <m:t>2</m:t>
+                                  </m:r>
+                                </m:sub>
+                              </m:sSub>
+                              <m:d>
+                                <m:dPr>
+                                  <m:ctrlPr>
+                                    <a:rPr lang="en-US" sz="2400" i="1"/>
+                                  </m:ctrlPr>
+                                </m:dPr>
+                                <m:e>
+                                  <m:r>
+                                    <a:rPr lang="en-US" sz="2400" i="1"/>
+                                    <m:t>𝐾</m:t>
+                                  </m:r>
+                                </m:e>
+                              </m:d>
+                              <m:r>
+                                <a:rPr lang="en-US" sz="2400" i="1"/>
+                                <m:t> </m:t>
+                              </m:r>
+                              <m:r>
+                                <a:rPr lang="en-US" sz="2400" i="1"/>
+                                <m:t>𝑐</m:t>
+                              </m:r>
+                              <m:r>
+                                <a:rPr lang="en-US" sz="2400" i="1"/>
+                                <m:t>ủ</m:t>
+                              </m:r>
+                              <m:r>
+                                <a:rPr lang="en-US" sz="2400" i="1"/>
+                                <m:t>𝑎</m:t>
+                              </m:r>
+                              <m:r>
+                                <a:rPr lang="en-US" sz="2400" i="1"/>
+                                <m:t> </m:t>
+                              </m:r>
+                              <m:r>
+                                <a:rPr lang="en-US" sz="2400" i="1"/>
+                                <m:t>𝑙</m:t>
+                              </m:r>
+                              <m:r>
+                                <a:rPr lang="en-US" sz="2400" i="1"/>
+                                <m:t>ầ</m:t>
+                              </m:r>
+                              <m:r>
+                                <a:rPr lang="en-US" sz="2400" i="1"/>
+                                <m:t>𝑛</m:t>
+                              </m:r>
+                              <m:r>
+                                <a:rPr lang="en-US" sz="2400" i="1"/>
+                                <m:t> </m:t>
+                              </m:r>
+                              <m:r>
+                                <a:rPr lang="en-US" sz="2400" i="1"/>
+                                <m:t>𝑏</m:t>
+                              </m:r>
+                              <m:r>
+                                <a:rPr lang="en-US" sz="2400" i="1"/>
+                                <m:t>ă</m:t>
+                              </m:r>
+                              <m:r>
+                                <a:rPr lang="en-US" sz="2400" i="1"/>
+                                <m:t>𝑚</m:t>
+                              </m:r>
+                              <m:r>
+                                <a:rPr lang="en-US" sz="2400" i="1"/>
+                                <m:t> </m:t>
+                              </m:r>
+                              <m:r>
+                                <a:rPr lang="en-US" sz="2400" i="1"/>
+                                <m:t>𝑡𝑟</m:t>
+                              </m:r>
+                              <m:r>
+                                <a:rPr lang="en-US" sz="2400" i="1"/>
+                                <m:t>ướ</m:t>
+                              </m:r>
+                              <m:r>
+                                <a:rPr lang="en-US" sz="2400" i="1"/>
+                                <m:t>𝑐</m:t>
+                              </m:r>
+                            </m:e>
+                          </m:eqArr>
+                        </m:e>
+                      </m:d>
+                    </m:oMath>
+                  </m:oMathPara>
+                </a14:m>
+                <a:endParaRPr lang="en-US" sz="2400" dirty="0"/>
+              </a:p>
+              <a:p>
+                <a:pPr marL="201168" lvl="1" indent="0">
+                  <a:buNone/>
+                </a:pPr>
+                <a:r>
+                  <a:rPr lang="en-US" sz="2400" i="1" dirty="0"/>
+                  <a:t>		</a:t>
+                </a:r>
+              </a:p>
+              <a:p>
+                <a:pPr marL="201168" lvl="1" indent="0">
+                  <a:buNone/>
+                </a:pPr>
+                <a14:m>
+                  <m:oMathPara xmlns:m="http://schemas.openxmlformats.org/officeDocument/2006/math">
+                    <m:oMathParaPr>
+                      <m:jc m:val="centerGroup"/>
+                    </m:oMathParaPr>
+                    <m:oMath xmlns:m="http://schemas.openxmlformats.org/officeDocument/2006/math">
+                      <m:sSub>
+                        <m:sSubPr>
+                          <m:ctrlPr>
+                            <a:rPr lang="en-US" sz="2400" i="1"/>
+                          </m:ctrlPr>
+                        </m:sSubPr>
+                        <m:e>
+                          <m:r>
+                            <a:rPr lang="en-US" sz="2400" i="1"/>
+                            <m:t>h</m:t>
+                          </m:r>
+                        </m:e>
+                        <m:sub>
+                          <m:r>
+                            <a:rPr lang="en-US" sz="2400" i="1"/>
+                            <m:t>𝑣𝑎𝑙</m:t>
+                          </m:r>
+                          <m:r>
+                            <a:rPr lang="en-US" sz="2400" i="1"/>
+                            <m:t>2</m:t>
+                          </m:r>
+                        </m:sub>
+                      </m:sSub>
+                      <m:r>
+                        <a:rPr lang="en-US" sz="2400" i="1"/>
+                        <m:t>=1+(</m:t>
+                      </m:r>
+                      <m:sSub>
+                        <m:sSubPr>
+                          <m:ctrlPr>
+                            <a:rPr lang="en-US" sz="2400" i="1"/>
+                          </m:ctrlPr>
+                        </m:sSubPr>
+                        <m:e>
+                          <m:r>
+                            <a:rPr lang="en-US" sz="2400" i="1"/>
+                            <m:t>h</m:t>
+                          </m:r>
+                        </m:e>
+                        <m:sub>
+                          <m:r>
+                            <a:rPr lang="en-US" sz="2400" i="1"/>
+                            <m:t>𝑣𝑎𝑙</m:t>
+                          </m:r>
+                        </m:sub>
+                      </m:sSub>
+                      <m:r>
+                        <a:rPr lang="en-US" sz="2400" i="1"/>
+                        <m:t> </m:t>
+                      </m:r>
+                      <m:r>
+                        <a:rPr lang="en-US" sz="2400" i="1"/>
+                        <m:t>𝑚𝑜𝑑</m:t>
+                      </m:r>
+                      <m:r>
+                        <a:rPr lang="en-US" sz="2400" i="1"/>
+                        <m:t> </m:t>
+                      </m:r>
+                      <m:d>
+                        <m:dPr>
+                          <m:ctrlPr>
+                            <a:rPr lang="en-US" sz="2400" i="1"/>
+                          </m:ctrlPr>
+                        </m:dPr>
+                        <m:e>
+                          <m:r>
+                            <a:rPr lang="en-US" sz="2400" i="1"/>
+                            <m:t>𝑡𝑎𝑏𝑙𝑒</m:t>
+                          </m:r>
+                          <m:r>
+                            <a:rPr lang="en-US" sz="2400" i="1"/>
+                            <m:t>_</m:t>
+                          </m:r>
+                          <m:r>
+                            <a:rPr lang="en-US" sz="2400" i="1"/>
+                            <m:t>𝑠𝑖𝑧𝑒</m:t>
+                          </m:r>
+                          <m:r>
+                            <a:rPr lang="en-US" sz="2400" i="1"/>
+                            <m:t>−2</m:t>
+                          </m:r>
+                        </m:e>
+                      </m:d>
+                      <m:r>
+                        <a:rPr lang="en-US" sz="2400" i="1"/>
+                        <m:t> )</m:t>
+                      </m:r>
+                    </m:oMath>
+                  </m:oMathPara>
+                </a14:m>
+                <a:endParaRPr lang="en-US" sz="2400" dirty="0"/>
+              </a:p>
+              <a:p>
+                <a:pPr marL="201168" lvl="1" indent="0">
+                  <a:buNone/>
+                </a:pPr>
+                <a:endParaRPr lang="en-US" i="1" dirty="0"/>
+              </a:p>
+              <a:p>
+                <a:pPr marL="201168" lvl="1" indent="0">
+                  <a:buNone/>
+                </a:pPr>
+                <a:endParaRPr lang="en-US" dirty="0"/>
+              </a:p>
+            </p:txBody>
+          </p:sp>
+        </mc:Choice>
+        <mc:Fallback>
+          <p:sp>
+            <p:nvSpPr>
+              <p:cNvPr id="3" name="Chỗ dành sẵn cho Nội dung 2">
+                <a:extLst>
+                  <a:ext uri="{FF2B5EF4-FFF2-40B4-BE49-F238E27FC236}">
+                    <a16:creationId xmlns:a16="http://schemas.microsoft.com/office/drawing/2014/main" id="{B08F9A4C-19AC-4F0B-A82C-BAE545F4F6CB}"/>
+                  </a:ext>
+                </a:extLst>
+              </p:cNvPr>
+              <p:cNvSpPr>
+                <a:spLocks noGrp="1" noRot="1" noChangeAspect="1" noMove="1" noResize="1" noEditPoints="1" noAdjustHandles="1" noChangeArrowheads="1" noChangeShapeType="1" noTextEdit="1"/>
+              </p:cNvSpPr>
+              <p:nvPr>
+                <p:ph idx="1"/>
+              </p:nvPr>
+            </p:nvSpPr>
+            <p:spPr>
+              <a:blipFill>
+                <a:blip r:embed="rId2"/>
+                <a:stretch>
+                  <a:fillRect l="-182" t="-2727"/>
+                </a:stretch>
+              </a:blipFill>
+            </p:spPr>
+            <p:txBody>
+              <a:bodyPr/>
+              <a:lstStyle/>
+              <a:p>
+                <a:r>
+                  <a:rPr lang="en-US">
+                    <a:noFill/>
+                  </a:rPr>
+                  <a:t> </a:t>
+                </a:r>
+              </a:p>
+            </p:txBody>
+          </p:sp>
+        </mc:Fallback>
+      </mc:AlternateContent>
+      <p:sp>
+        <p:nvSpPr>
+          <p:cNvPr id="4" name="Chỗ dành sẵn cho Số hiệu Bản chiếu 3">
+            <a:extLst>
+              <a:ext uri="{FF2B5EF4-FFF2-40B4-BE49-F238E27FC236}">
+                <a16:creationId xmlns:a16="http://schemas.microsoft.com/office/drawing/2014/main" id="{DC197B1A-6E66-451C-98B1-0EEE32A4A1EC}"/>
+              </a:ext>
+            </a:extLst>
+          </p:cNvPr>
+          <p:cNvSpPr>
+            <a:spLocks noGrp="1"/>
+          </p:cNvSpPr>
+          <p:nvPr>
+            <p:ph type="sldNum" sz="quarter" idx="12"/>
+          </p:nvPr>
+        </p:nvSpPr>
+        <p:spPr/>
+        <p:txBody>
+          <a:bodyPr/>
+          <a:lstStyle/>
+          <a:p>
+            <a:fld id="{9514B7F1-BB48-43C4-8AAC-DDDF7391C027}" type="slidenum">
+              <a:rPr lang="en-US" smtClean="0"/>
+              <a:t>18</a:t>
+            </a:fld>
+            <a:endParaRPr lang="en-US"/>
+          </a:p>
+        </p:txBody>
+      </p:sp>
+    </p:spTree>
+    <p:extLst>
+      <p:ext uri="{BB962C8B-B14F-4D97-AF65-F5344CB8AC3E}">
+        <p14:creationId xmlns:p14="http://schemas.microsoft.com/office/powerpoint/2010/main" val="3038461934"/>
+      </p:ext>
+    </p:extLst>
+  </p:cSld>
+  <p:clrMapOvr>
+    <a:masterClrMapping/>
+  </p:clrMapOvr>
+</p:sld>
+</file>
+
+<file path=ppt/slides/slide19.xml><?xml version="1.0" encoding="utf-8"?>
 <p:sld xmlns:a="http://schemas.openxmlformats.org/drawingml/2006/main" xmlns:r="http://schemas.openxmlformats.org/officeDocument/2006/relationships" xmlns:p="http://schemas.openxmlformats.org/presentationml/2006/main">
   <p:cSld>
     <p:spTree>
@@ -5664,7 +7501,7 @@
           <a:p>
             <a:fld id="{9514B7F1-BB48-43C4-8AAC-DDDF7391C027}" type="slidenum">
               <a:rPr lang="en-US" smtClean="0"/>
-              <a:t>15</a:t>
+              <a:t>19</a:t>
             </a:fld>
             <a:endParaRPr lang="en-US"/>
           </a:p>
@@ -5683,7 +7520,285 @@
 </p:sld>
 </file>
 
-<file path=ppt/slides/slide16.xml><?xml version="1.0" encoding="utf-8"?>
+<file path=ppt/slides/slide2.xml><?xml version="1.0" encoding="utf-8"?>
+<p:sld xmlns:a="http://schemas.openxmlformats.org/drawingml/2006/main" xmlns:r="http://schemas.openxmlformats.org/officeDocument/2006/relationships" xmlns:p="http://schemas.openxmlformats.org/presentationml/2006/main">
+  <p:cSld>
+    <p:spTree>
+      <p:nvGrpSpPr>
+        <p:cNvPr id="1" name=""/>
+        <p:cNvGrpSpPr/>
+        <p:nvPr/>
+      </p:nvGrpSpPr>
+      <p:grpSpPr>
+        <a:xfrm>
+          <a:off x="0" y="0"/>
+          <a:ext cx="0" cy="0"/>
+          <a:chOff x="0" y="0"/>
+          <a:chExt cx="0" cy="0"/>
+        </a:xfrm>
+      </p:grpSpPr>
+      <p:sp>
+        <p:nvSpPr>
+          <p:cNvPr id="2" name="Tiêu đề 1">
+            <a:extLst>
+              <a:ext uri="{FF2B5EF4-FFF2-40B4-BE49-F238E27FC236}">
+                <a16:creationId xmlns:a16="http://schemas.microsoft.com/office/drawing/2014/main" id="{57359D99-D589-4154-A157-16016EB328D4}"/>
+              </a:ext>
+            </a:extLst>
+          </p:cNvPr>
+          <p:cNvSpPr>
+            <a:spLocks noGrp="1"/>
+          </p:cNvSpPr>
+          <p:nvPr>
+            <p:ph type="title"/>
+          </p:nvPr>
+        </p:nvSpPr>
+        <p:spPr/>
+        <p:txBody>
+          <a:bodyPr/>
+          <a:lstStyle/>
+          <a:p>
+            <a:r>
+              <a:rPr lang="en-US" dirty="0" err="1"/>
+              <a:t>Mục</a:t>
+            </a:r>
+            <a:r>
+              <a:rPr lang="en-US" dirty="0"/>
+              <a:t> </a:t>
+            </a:r>
+            <a:r>
+              <a:rPr lang="en-US" dirty="0" err="1"/>
+              <a:t>lục</a:t>
+            </a:r>
+            <a:endParaRPr lang="en-US" dirty="0"/>
+          </a:p>
+        </p:txBody>
+      </p:sp>
+      <p:sp>
+        <p:nvSpPr>
+          <p:cNvPr id="3" name="Chỗ dành sẵn cho Nội dung 2">
+            <a:extLst>
+              <a:ext uri="{FF2B5EF4-FFF2-40B4-BE49-F238E27FC236}">
+                <a16:creationId xmlns:a16="http://schemas.microsoft.com/office/drawing/2014/main" id="{0231877E-FA37-4A79-B298-2748E0BA1758}"/>
+              </a:ext>
+            </a:extLst>
+          </p:cNvPr>
+          <p:cNvSpPr>
+            <a:spLocks noGrp="1"/>
+          </p:cNvSpPr>
+          <p:nvPr>
+            <p:ph idx="1"/>
+          </p:nvPr>
+        </p:nvSpPr>
+        <p:spPr/>
+        <p:txBody>
+          <a:bodyPr/>
+          <a:lstStyle/>
+          <a:p>
+            <a:pPr marL="715518" lvl="1" indent="-514350">
+              <a:buFont typeface="+mj-lt"/>
+              <a:buAutoNum type="arabicPeriod"/>
+            </a:pPr>
+            <a:r>
+              <a:rPr lang="en-US" dirty="0" err="1"/>
+              <a:t>Cơ</a:t>
+            </a:r>
+            <a:r>
+              <a:rPr lang="en-US" dirty="0"/>
+              <a:t> </a:t>
+            </a:r>
+            <a:r>
+              <a:rPr lang="en-US" dirty="0" err="1"/>
+              <a:t>sở</a:t>
+            </a:r>
+            <a:r>
+              <a:rPr lang="en-US" dirty="0"/>
+              <a:t> </a:t>
+            </a:r>
+            <a:r>
+              <a:rPr lang="en-US" dirty="0" err="1"/>
+              <a:t>dữ</a:t>
+            </a:r>
+            <a:r>
+              <a:rPr lang="en-US" dirty="0"/>
+              <a:t> </a:t>
+            </a:r>
+            <a:r>
+              <a:rPr lang="en-US" dirty="0" err="1"/>
+              <a:t>liệu</a:t>
+            </a:r>
+            <a:r>
+              <a:rPr lang="en-US" dirty="0"/>
+              <a:t> </a:t>
+            </a:r>
+            <a:r>
+              <a:rPr lang="en-US" dirty="0" err="1"/>
+              <a:t>dạng</a:t>
+            </a:r>
+            <a:r>
+              <a:rPr lang="en-US" dirty="0"/>
+              <a:t> </a:t>
+            </a:r>
+            <a:r>
+              <a:rPr lang="en-US" dirty="0" err="1"/>
+              <a:t>cột</a:t>
+            </a:r>
+            <a:endParaRPr lang="en-US" dirty="0"/>
+          </a:p>
+          <a:p>
+            <a:pPr marL="715518" lvl="1" indent="-514350">
+              <a:buFont typeface="+mj-lt"/>
+              <a:buAutoNum type="arabicPeriod"/>
+            </a:pPr>
+            <a:r>
+              <a:rPr lang="en-US" dirty="0" err="1"/>
+              <a:t>Kiến</a:t>
+            </a:r>
+            <a:r>
+              <a:rPr lang="en-US" dirty="0"/>
+              <a:t> </a:t>
+            </a:r>
+            <a:r>
+              <a:rPr lang="en-US" dirty="0" err="1"/>
+              <a:t>trúc</a:t>
+            </a:r>
+            <a:r>
+              <a:rPr lang="en-US" dirty="0"/>
+              <a:t> </a:t>
+            </a:r>
+            <a:r>
+              <a:rPr lang="en-US" dirty="0" err="1"/>
+              <a:t>thiết</a:t>
+            </a:r>
+            <a:r>
+              <a:rPr lang="en-US" dirty="0"/>
+              <a:t> </a:t>
+            </a:r>
+            <a:r>
+              <a:rPr lang="en-US" dirty="0" err="1"/>
+              <a:t>kế</a:t>
+            </a:r>
+            <a:endParaRPr lang="en-US" dirty="0"/>
+          </a:p>
+          <a:p>
+            <a:pPr marL="715518" lvl="1" indent="-514350">
+              <a:buFont typeface="+mj-lt"/>
+              <a:buAutoNum type="arabicPeriod"/>
+            </a:pPr>
+            <a:r>
+              <a:rPr lang="en-US" dirty="0" err="1"/>
+              <a:t>Đánh</a:t>
+            </a:r>
+            <a:r>
+              <a:rPr lang="en-US" dirty="0"/>
+              <a:t> </a:t>
+            </a:r>
+            <a:r>
+              <a:rPr lang="en-US" dirty="0" err="1"/>
+              <a:t>giá</a:t>
+            </a:r>
+            <a:endParaRPr lang="en-US" dirty="0"/>
+          </a:p>
+          <a:p>
+            <a:pPr marL="715518" lvl="1" indent="-514350">
+              <a:buFont typeface="+mj-lt"/>
+              <a:buAutoNum type="arabicPeriod"/>
+            </a:pPr>
+            <a:r>
+              <a:rPr lang="en-US" dirty="0" err="1"/>
+              <a:t>Kết</a:t>
+            </a:r>
+            <a:r>
+              <a:rPr lang="en-US" dirty="0"/>
+              <a:t> </a:t>
+            </a:r>
+            <a:r>
+              <a:rPr lang="en-US" dirty="0" err="1"/>
+              <a:t>luận</a:t>
+            </a:r>
+            <a:r>
+              <a:rPr lang="en-US" dirty="0"/>
+              <a:t> </a:t>
+            </a:r>
+            <a:r>
+              <a:rPr lang="en-US" dirty="0" err="1"/>
+              <a:t>và</a:t>
+            </a:r>
+            <a:r>
+              <a:rPr lang="en-US" dirty="0"/>
+              <a:t> h</a:t>
+            </a:r>
+            <a:r>
+              <a:rPr lang="vi-VN" dirty="0"/>
+              <a:t>ư</a:t>
+            </a:r>
+            <a:r>
+              <a:rPr lang="en-US" dirty="0" err="1"/>
+              <a:t>ớng</a:t>
+            </a:r>
+            <a:r>
+              <a:rPr lang="en-US" dirty="0"/>
+              <a:t> </a:t>
+            </a:r>
+            <a:r>
+              <a:rPr lang="en-US" dirty="0" err="1"/>
+              <a:t>phát</a:t>
+            </a:r>
+            <a:r>
+              <a:rPr lang="en-US" dirty="0"/>
+              <a:t> </a:t>
+            </a:r>
+            <a:r>
+              <a:rPr lang="en-US" dirty="0" err="1"/>
+              <a:t>triển</a:t>
+            </a:r>
+            <a:endParaRPr lang="en-US" dirty="0"/>
+          </a:p>
+        </p:txBody>
+      </p:sp>
+      <p:sp>
+        <p:nvSpPr>
+          <p:cNvPr id="4" name="Chỗ dành sẵn cho Số hiệu Bản chiếu 3">
+            <a:extLst>
+              <a:ext uri="{FF2B5EF4-FFF2-40B4-BE49-F238E27FC236}">
+                <a16:creationId xmlns:a16="http://schemas.microsoft.com/office/drawing/2014/main" id="{405EA86F-C1D3-48D4-9543-A68FBDF75365}"/>
+              </a:ext>
+            </a:extLst>
+          </p:cNvPr>
+          <p:cNvSpPr>
+            <a:spLocks noGrp="1"/>
+          </p:cNvSpPr>
+          <p:nvPr>
+            <p:ph type="sldNum" sz="quarter" idx="12"/>
+          </p:nvPr>
+        </p:nvSpPr>
+        <p:spPr/>
+        <p:txBody>
+          <a:bodyPr/>
+          <a:lstStyle/>
+          <a:p>
+            <a:fld id="{9514B7F1-BB48-43C4-8AAC-DDDF7391C027}" type="slidenum">
+              <a:rPr lang="en-US" smtClean="0"/>
+              <a:t>2</a:t>
+            </a:fld>
+            <a:endParaRPr lang="en-US"/>
+          </a:p>
+        </p:txBody>
+      </p:sp>
+    </p:spTree>
+    <p:extLst>
+      <p:ext uri="{BB962C8B-B14F-4D97-AF65-F5344CB8AC3E}">
+        <p14:creationId xmlns:p14="http://schemas.microsoft.com/office/powerpoint/2010/main" val="2545436999"/>
+      </p:ext>
+    </p:extLst>
+  </p:cSld>
+  <p:clrMapOvr>
+    <a:masterClrMapping/>
+  </p:clrMapOvr>
+</p:sld>
+</file>
+
+<file path=ppt/slides/slide20.xml><?xml version="1.0" encoding="utf-8"?>
 <p:sld xmlns:a="http://schemas.openxmlformats.org/drawingml/2006/main" xmlns:r="http://schemas.openxmlformats.org/officeDocument/2006/relationships" xmlns:p="http://schemas.openxmlformats.org/presentationml/2006/main">
   <p:cSld>
     <p:spTree>
@@ -6488,7 +8603,7 @@
             <a:fld id="{9514B7F1-BB48-43C4-8AAC-DDDF7391C027}" type="slidenum">
               <a:rPr lang="en-US" smtClean="0"/>
               <a:pPr/>
-              <a:t>16</a:t>
+              <a:t>20</a:t>
             </a:fld>
             <a:endParaRPr lang="en-US"/>
           </a:p>
@@ -6507,7 +8622,7 @@
 </p:sld>
 </file>
 
-<file path=ppt/slides/slide17.xml><?xml version="1.0" encoding="utf-8"?>
+<file path=ppt/slides/slide21.xml><?xml version="1.0" encoding="utf-8"?>
 <p:sld xmlns:a="http://schemas.openxmlformats.org/drawingml/2006/main" xmlns:r="http://schemas.openxmlformats.org/officeDocument/2006/relationships" xmlns:p="http://schemas.openxmlformats.org/presentationml/2006/main">
   <p:cSld>
     <p:spTree>
@@ -6987,7 +9102,7 @@
           <a:p>
             <a:fld id="{9514B7F1-BB48-43C4-8AAC-DDDF7391C027}" type="slidenum">
               <a:rPr lang="en-US" smtClean="0"/>
-              <a:t>17</a:t>
+              <a:t>21</a:t>
             </a:fld>
             <a:endParaRPr lang="en-US"/>
           </a:p>
@@ -8833,7 +10948,7 @@
 </p:sld>
 </file>
 
-<file path=ppt/slides/slide18.xml><?xml version="1.0" encoding="utf-8"?>
+<file path=ppt/slides/slide22.xml><?xml version="1.0" encoding="utf-8"?>
 <p:sld xmlns:a="http://schemas.openxmlformats.org/drawingml/2006/main" xmlns:r="http://schemas.openxmlformats.org/officeDocument/2006/relationships" xmlns:p="http://schemas.openxmlformats.org/presentationml/2006/main">
   <p:cSld>
     <p:spTree>
@@ -8876,23 +10991,51 @@
               <a:t>4. </a:t>
             </a:r>
             <a:r>
-              <a:rPr lang="vi-VN" dirty="0" err="1"/>
-              <a:t>Hướng</a:t>
+              <a:rPr lang="en-US" dirty="0" err="1"/>
+              <a:t>Kết</a:t>
+            </a:r>
+            <a:r>
+              <a:rPr lang="en-US" dirty="0"/>
+              <a:t> </a:t>
+            </a:r>
+            <a:r>
+              <a:rPr lang="en-US" dirty="0" err="1"/>
+              <a:t>luận</a:t>
+            </a:r>
+            <a:r>
+              <a:rPr lang="en-US" dirty="0"/>
+              <a:t> </a:t>
+            </a:r>
+            <a:r>
+              <a:rPr lang="en-US" dirty="0" err="1"/>
+              <a:t>và</a:t>
+            </a:r>
+            <a:r>
+              <a:rPr lang="en-US" dirty="0"/>
+              <a:t> h</a:t>
             </a:r>
             <a:r>
               <a:rPr lang="vi-VN" dirty="0"/>
-              <a:t> </a:t>
-            </a:r>
-            <a:r>
-              <a:rPr lang="vi-VN" dirty="0" err="1"/>
+              <a:t>ư</a:t>
+            </a:r>
+            <a:r>
+              <a:rPr lang="en-US" dirty="0" err="1"/>
+              <a:t>ớng</a:t>
+            </a:r>
+            <a:r>
+              <a:rPr lang="en-US" dirty="0"/>
+              <a:t> </a:t>
+            </a:r>
+            <a:r>
+              <a:rPr lang="en-US" dirty="0" err="1"/>
               <a:t>phát</a:t>
             </a:r>
             <a:r>
-              <a:rPr lang="vi-VN" dirty="0"/>
-              <a:t> </a:t>
-            </a:r>
-            <a:r>
-              <a:rPr lang="vi-VN" dirty="0" err="1"/>
+              <a:rPr lang="en-US" dirty="0"/>
+              <a:t> </a:t>
+            </a:r>
+            <a:r>
+              <a:rPr lang="en-US" dirty="0" err="1"/>
               <a:t>triển</a:t>
             </a:r>
             <a:endParaRPr lang="en-US" dirty="0"/>
@@ -8947,7 +11090,7 @@
           <a:p>
             <a:fld id="{9514B7F1-BB48-43C4-8AAC-DDDF7391C027}" type="slidenum">
               <a:rPr lang="en-US" smtClean="0"/>
-              <a:t>18</a:t>
+              <a:t>22</a:t>
             </a:fld>
             <a:endParaRPr lang="en-US"/>
           </a:p>
@@ -8966,7 +11109,697 @@
 </p:sld>
 </file>
 
-<file path=ppt/slides/slide19.xml><?xml version="1.0" encoding="utf-8"?>
+<file path=ppt/slides/slide23.xml><?xml version="1.0" encoding="utf-8"?>
+<p:sld xmlns:a="http://schemas.openxmlformats.org/drawingml/2006/main" xmlns:r="http://schemas.openxmlformats.org/officeDocument/2006/relationships" xmlns:p="http://schemas.openxmlformats.org/presentationml/2006/main">
+  <p:cSld>
+    <p:spTree>
+      <p:nvGrpSpPr>
+        <p:cNvPr id="1" name=""/>
+        <p:cNvGrpSpPr/>
+        <p:nvPr/>
+      </p:nvGrpSpPr>
+      <p:grpSpPr>
+        <a:xfrm>
+          <a:off x="0" y="0"/>
+          <a:ext cx="0" cy="0"/>
+          <a:chOff x="0" y="0"/>
+          <a:chExt cx="0" cy="0"/>
+        </a:xfrm>
+      </p:grpSpPr>
+      <p:sp>
+        <p:nvSpPr>
+          <p:cNvPr id="2" name="Tiêu đề 1">
+            <a:extLst>
+              <a:ext uri="{FF2B5EF4-FFF2-40B4-BE49-F238E27FC236}">
+                <a16:creationId xmlns:a16="http://schemas.microsoft.com/office/drawing/2014/main" id="{DD6548D0-DE29-41FE-9BB4-ECCF38EA5FDD}"/>
+              </a:ext>
+            </a:extLst>
+          </p:cNvPr>
+          <p:cNvSpPr>
+            <a:spLocks noGrp="1"/>
+          </p:cNvSpPr>
+          <p:nvPr>
+            <p:ph type="title"/>
+          </p:nvPr>
+        </p:nvSpPr>
+        <p:spPr/>
+        <p:txBody>
+          <a:bodyPr/>
+          <a:lstStyle/>
+          <a:p>
+            <a:r>
+              <a:rPr lang="en-US" dirty="0"/>
+              <a:t>4. </a:t>
+            </a:r>
+            <a:r>
+              <a:rPr lang="en-US" dirty="0" err="1"/>
+              <a:t>Kết</a:t>
+            </a:r>
+            <a:r>
+              <a:rPr lang="en-US" dirty="0"/>
+              <a:t> </a:t>
+            </a:r>
+            <a:r>
+              <a:rPr lang="en-US" dirty="0" err="1"/>
+              <a:t>luận</a:t>
+            </a:r>
+            <a:r>
+              <a:rPr lang="en-US" dirty="0"/>
+              <a:t> </a:t>
+            </a:r>
+            <a:r>
+              <a:rPr lang="en-US" dirty="0" err="1"/>
+              <a:t>và</a:t>
+            </a:r>
+            <a:r>
+              <a:rPr lang="en-US" dirty="0"/>
+              <a:t> h</a:t>
+            </a:r>
+            <a:r>
+              <a:rPr lang="vi-VN" dirty="0"/>
+              <a:t>ư</a:t>
+            </a:r>
+            <a:r>
+              <a:rPr lang="en-US" dirty="0" err="1"/>
+              <a:t>ớng</a:t>
+            </a:r>
+            <a:r>
+              <a:rPr lang="en-US" dirty="0"/>
+              <a:t> </a:t>
+            </a:r>
+            <a:r>
+              <a:rPr lang="en-US" dirty="0" err="1"/>
+              <a:t>phát</a:t>
+            </a:r>
+            <a:r>
+              <a:rPr lang="en-US" dirty="0"/>
+              <a:t> </a:t>
+            </a:r>
+            <a:r>
+              <a:rPr lang="en-US" dirty="0" err="1"/>
+              <a:t>triển</a:t>
+            </a:r>
+            <a:endParaRPr lang="en-US" dirty="0"/>
+          </a:p>
+        </p:txBody>
+      </p:sp>
+      <p:sp>
+        <p:nvSpPr>
+          <p:cNvPr id="3" name="Chỗ dành sẵn cho Nội dung 2">
+            <a:extLst>
+              <a:ext uri="{FF2B5EF4-FFF2-40B4-BE49-F238E27FC236}">
+                <a16:creationId xmlns:a16="http://schemas.microsoft.com/office/drawing/2014/main" id="{4BDC5F5B-2B3C-4E2B-B90A-25739E2B67B8}"/>
+              </a:ext>
+            </a:extLst>
+          </p:cNvPr>
+          <p:cNvSpPr>
+            <a:spLocks noGrp="1"/>
+          </p:cNvSpPr>
+          <p:nvPr>
+            <p:ph idx="1"/>
+          </p:nvPr>
+        </p:nvSpPr>
+        <p:spPr/>
+        <p:txBody>
+          <a:bodyPr/>
+          <a:lstStyle/>
+          <a:p>
+            <a:r>
+              <a:rPr lang="en-US" dirty="0" err="1"/>
+              <a:t>Kết</a:t>
+            </a:r>
+            <a:r>
+              <a:rPr lang="en-US" dirty="0"/>
+              <a:t> </a:t>
+            </a:r>
+            <a:r>
+              <a:rPr lang="en-US" dirty="0" err="1"/>
+              <a:t>luận</a:t>
+            </a:r>
+            <a:r>
+              <a:rPr lang="en-US" dirty="0"/>
+              <a:t>:</a:t>
+            </a:r>
+          </a:p>
+          <a:p>
+            <a:pPr lvl="1"/>
+            <a:r>
+              <a:rPr lang="en-US" dirty="0" err="1"/>
+              <a:t>Đạt</a:t>
+            </a:r>
+            <a:r>
+              <a:rPr lang="en-US" dirty="0"/>
+              <a:t> đ</a:t>
+            </a:r>
+            <a:r>
+              <a:rPr lang="vi-VN" dirty="0"/>
+              <a:t>ư</a:t>
+            </a:r>
+            <a:r>
+              <a:rPr lang="en-US" dirty="0" err="1"/>
+              <a:t>ợc</a:t>
+            </a:r>
+            <a:r>
+              <a:rPr lang="en-US" dirty="0"/>
+              <a:t>:</a:t>
+            </a:r>
+          </a:p>
+          <a:p>
+            <a:pPr lvl="2"/>
+            <a:r>
+              <a:rPr lang="en-US" dirty="0" err="1"/>
+              <a:t>Tìm</a:t>
+            </a:r>
+            <a:r>
+              <a:rPr lang="en-US" dirty="0"/>
+              <a:t> </a:t>
+            </a:r>
+            <a:r>
+              <a:rPr lang="en-US" dirty="0" err="1"/>
+              <a:t>hiểu</a:t>
+            </a:r>
+            <a:r>
+              <a:rPr lang="en-US" dirty="0"/>
+              <a:t> </a:t>
+            </a:r>
+            <a:r>
+              <a:rPr lang="en-US" dirty="0" err="1"/>
+              <a:t>và</a:t>
+            </a:r>
+            <a:r>
+              <a:rPr lang="en-US" dirty="0"/>
+              <a:t> </a:t>
+            </a:r>
+            <a:r>
+              <a:rPr lang="en-US" dirty="0" err="1"/>
+              <a:t>nghiên</a:t>
+            </a:r>
+            <a:r>
+              <a:rPr lang="en-US" dirty="0"/>
+              <a:t> </a:t>
+            </a:r>
+            <a:r>
+              <a:rPr lang="en-US" dirty="0" err="1"/>
+              <a:t>cứu</a:t>
+            </a:r>
+            <a:r>
+              <a:rPr lang="en-US" dirty="0"/>
+              <a:t> </a:t>
+            </a:r>
+            <a:r>
+              <a:rPr lang="en-US" dirty="0" err="1"/>
+              <a:t>về</a:t>
+            </a:r>
+            <a:r>
+              <a:rPr lang="en-US" dirty="0"/>
+              <a:t> </a:t>
+            </a:r>
+            <a:r>
+              <a:rPr lang="en-US" dirty="0" err="1"/>
+              <a:t>các</a:t>
+            </a:r>
+            <a:r>
+              <a:rPr lang="en-US" dirty="0"/>
+              <a:t> </a:t>
+            </a:r>
+            <a:r>
+              <a:rPr lang="en-US" dirty="0" err="1"/>
+              <a:t>kiến</a:t>
+            </a:r>
+            <a:r>
+              <a:rPr lang="en-US" dirty="0"/>
+              <a:t> </a:t>
+            </a:r>
+            <a:r>
+              <a:rPr lang="en-US" dirty="0" err="1"/>
+              <a:t>trúc</a:t>
+            </a:r>
+            <a:r>
+              <a:rPr lang="en-US" dirty="0"/>
+              <a:t>, </a:t>
+            </a:r>
+            <a:r>
+              <a:rPr lang="en-US" dirty="0" err="1"/>
+              <a:t>tính</a:t>
+            </a:r>
+            <a:r>
+              <a:rPr lang="en-US" dirty="0"/>
+              <a:t> </a:t>
+            </a:r>
+            <a:r>
+              <a:rPr lang="en-US" dirty="0" err="1"/>
+              <a:t>chất</a:t>
+            </a:r>
+            <a:r>
+              <a:rPr lang="en-US" dirty="0"/>
+              <a:t> </a:t>
+            </a:r>
+            <a:r>
+              <a:rPr lang="en-US" dirty="0" err="1"/>
+              <a:t>trong</a:t>
+            </a:r>
+            <a:r>
+              <a:rPr lang="en-US" dirty="0"/>
+              <a:t> </a:t>
+            </a:r>
+            <a:r>
+              <a:rPr lang="en-US" dirty="0" err="1"/>
+              <a:t>một</a:t>
+            </a:r>
+            <a:r>
+              <a:rPr lang="en-US" dirty="0"/>
+              <a:t> HQT CSDL</a:t>
+            </a:r>
+          </a:p>
+          <a:p>
+            <a:pPr lvl="2"/>
+            <a:r>
+              <a:rPr lang="en-US" dirty="0" err="1"/>
+              <a:t>Tìm</a:t>
+            </a:r>
+            <a:r>
+              <a:rPr lang="en-US" dirty="0"/>
+              <a:t> </a:t>
+            </a:r>
+            <a:r>
+              <a:rPr lang="en-US" dirty="0" err="1"/>
+              <a:t>hiểu</a:t>
+            </a:r>
+            <a:r>
+              <a:rPr lang="en-US" dirty="0"/>
+              <a:t> </a:t>
+            </a:r>
+            <a:r>
+              <a:rPr lang="en-US" dirty="0" err="1"/>
+              <a:t>về</a:t>
+            </a:r>
+            <a:r>
+              <a:rPr lang="en-US" dirty="0"/>
+              <a:t> No SQL</a:t>
+            </a:r>
+          </a:p>
+          <a:p>
+            <a:pPr lvl="2"/>
+            <a:r>
+              <a:rPr lang="en-US" dirty="0"/>
+              <a:t>Đ</a:t>
+            </a:r>
+            <a:r>
+              <a:rPr lang="vi-VN" dirty="0"/>
+              <a:t>ư</a:t>
+            </a:r>
+            <a:r>
+              <a:rPr lang="en-US" dirty="0" err="1"/>
+              <a:t>ợc</a:t>
+            </a:r>
+            <a:r>
+              <a:rPr lang="en-US" dirty="0"/>
+              <a:t> </a:t>
+            </a:r>
+            <a:r>
+              <a:rPr lang="en-US" dirty="0" err="1"/>
+              <a:t>xây</a:t>
+            </a:r>
+            <a:r>
+              <a:rPr lang="en-US" dirty="0"/>
+              <a:t> </a:t>
+            </a:r>
+            <a:r>
+              <a:rPr lang="en-US" dirty="0" err="1"/>
+              <a:t>dựng</a:t>
+            </a:r>
+            <a:r>
+              <a:rPr lang="en-US" dirty="0"/>
+              <a:t> </a:t>
+            </a:r>
+            <a:r>
+              <a:rPr lang="en-US" dirty="0" err="1"/>
+              <a:t>thử</a:t>
+            </a:r>
+            <a:r>
+              <a:rPr lang="en-US" dirty="0"/>
+              <a:t> </a:t>
+            </a:r>
+            <a:r>
+              <a:rPr lang="en-US" dirty="0" err="1"/>
+              <a:t>nghiệm</a:t>
+            </a:r>
+            <a:r>
+              <a:rPr lang="en-US" dirty="0"/>
+              <a:t> </a:t>
+            </a:r>
+            <a:r>
+              <a:rPr lang="en-US" dirty="0" err="1"/>
+              <a:t>một</a:t>
+            </a:r>
+            <a:r>
+              <a:rPr lang="en-US" dirty="0"/>
+              <a:t> </a:t>
+            </a:r>
+            <a:r>
+              <a:rPr lang="en-US" dirty="0" err="1"/>
+              <a:t>cấu</a:t>
+            </a:r>
+            <a:r>
+              <a:rPr lang="en-US" dirty="0"/>
+              <a:t> </a:t>
+            </a:r>
+            <a:r>
+              <a:rPr lang="en-US" dirty="0" err="1"/>
+              <a:t>trúc</a:t>
+            </a:r>
+            <a:r>
+              <a:rPr lang="en-US" dirty="0"/>
+              <a:t> l</a:t>
+            </a:r>
+            <a:r>
+              <a:rPr lang="vi-VN" dirty="0"/>
+              <a:t>ư</a:t>
+            </a:r>
+            <a:r>
+              <a:rPr lang="en-US" dirty="0"/>
+              <a:t>u </a:t>
+            </a:r>
+            <a:r>
+              <a:rPr lang="en-US" dirty="0" err="1"/>
+              <a:t>trữ</a:t>
+            </a:r>
+            <a:r>
+              <a:rPr lang="en-US" dirty="0"/>
+              <a:t> </a:t>
+            </a:r>
+            <a:r>
+              <a:rPr lang="en-US" dirty="0" err="1"/>
+              <a:t>mới</a:t>
+            </a:r>
+            <a:r>
+              <a:rPr lang="en-US" dirty="0"/>
+              <a:t>,</a:t>
+            </a:r>
+          </a:p>
+          <a:p>
+            <a:pPr lvl="1"/>
+            <a:r>
+              <a:rPr lang="en-US" dirty="0" err="1"/>
+              <a:t>Thiếu</a:t>
+            </a:r>
+            <a:r>
+              <a:rPr lang="en-US" dirty="0"/>
+              <a:t> </a:t>
+            </a:r>
+            <a:r>
+              <a:rPr lang="en-US" dirty="0" err="1"/>
+              <a:t>sót</a:t>
+            </a:r>
+            <a:r>
+              <a:rPr lang="en-US" dirty="0"/>
+              <a:t>:</a:t>
+            </a:r>
+          </a:p>
+          <a:p>
+            <a:pPr lvl="2"/>
+            <a:r>
+              <a:rPr lang="en-US" dirty="0"/>
+              <a:t>Ch</a:t>
+            </a:r>
+            <a:r>
+              <a:rPr lang="vi-VN" dirty="0"/>
+              <a:t>ư</a:t>
+            </a:r>
+            <a:r>
+              <a:rPr lang="en-US" dirty="0"/>
+              <a:t>a </a:t>
+            </a:r>
+            <a:r>
+              <a:rPr lang="en-US" dirty="0" err="1"/>
+              <a:t>xây</a:t>
+            </a:r>
+            <a:r>
+              <a:rPr lang="en-US" dirty="0"/>
+              <a:t> </a:t>
+            </a:r>
+            <a:r>
+              <a:rPr lang="en-US" dirty="0" err="1"/>
+              <a:t>dựng</a:t>
+            </a:r>
+            <a:r>
+              <a:rPr lang="en-US" dirty="0"/>
+              <a:t> </a:t>
+            </a:r>
+            <a:r>
+              <a:rPr lang="en-US" dirty="0" err="1"/>
+              <a:t>đầy</a:t>
+            </a:r>
+            <a:r>
+              <a:rPr lang="en-US" dirty="0"/>
+              <a:t> </a:t>
+            </a:r>
+            <a:r>
+              <a:rPr lang="en-US" dirty="0" err="1"/>
+              <a:t>đủ</a:t>
+            </a:r>
+            <a:r>
+              <a:rPr lang="en-US" dirty="0"/>
+              <a:t> </a:t>
+            </a:r>
+            <a:r>
+              <a:rPr lang="en-US" dirty="0" err="1"/>
+              <a:t>các</a:t>
+            </a:r>
+            <a:r>
+              <a:rPr lang="en-US" dirty="0"/>
+              <a:t> </a:t>
+            </a:r>
+            <a:r>
+              <a:rPr lang="en-US" dirty="0" err="1"/>
+              <a:t>chức</a:t>
+            </a:r>
+            <a:r>
+              <a:rPr lang="en-US" dirty="0"/>
+              <a:t> </a:t>
+            </a:r>
+            <a:r>
+              <a:rPr lang="en-US" dirty="0" err="1"/>
+              <a:t>năng</a:t>
+            </a:r>
+            <a:r>
+              <a:rPr lang="en-US" dirty="0"/>
+              <a:t> </a:t>
+            </a:r>
+            <a:r>
+              <a:rPr lang="en-US" dirty="0" err="1"/>
+              <a:t>trong</a:t>
+            </a:r>
+            <a:r>
+              <a:rPr lang="en-US" dirty="0"/>
+              <a:t> </a:t>
+            </a:r>
+            <a:r>
+              <a:rPr lang="en-US" dirty="0" err="1"/>
+              <a:t>một</a:t>
+            </a:r>
+            <a:r>
+              <a:rPr lang="en-US" dirty="0"/>
+              <a:t> HQT CSDL</a:t>
+            </a:r>
+          </a:p>
+          <a:p>
+            <a:pPr lvl="2"/>
+            <a:r>
+              <a:rPr lang="en-US" dirty="0" err="1"/>
+              <a:t>Chưa</a:t>
+            </a:r>
+            <a:r>
+              <a:rPr lang="en-US" dirty="0"/>
+              <a:t> </a:t>
+            </a:r>
+            <a:r>
+              <a:rPr lang="en-US" dirty="0" err="1"/>
+              <a:t>thực</a:t>
+            </a:r>
+            <a:r>
+              <a:rPr lang="en-US" dirty="0"/>
+              <a:t> </a:t>
+            </a:r>
+            <a:r>
+              <a:rPr lang="en-US" dirty="0" err="1"/>
+              <a:t>hiện</a:t>
+            </a:r>
+            <a:r>
+              <a:rPr lang="en-US" dirty="0"/>
+              <a:t> </a:t>
+            </a:r>
+            <a:r>
+              <a:rPr lang="en-US" dirty="0" err="1"/>
+              <a:t>các</a:t>
+            </a:r>
+            <a:r>
+              <a:rPr lang="en-US" dirty="0"/>
+              <a:t> </a:t>
+            </a:r>
+            <a:r>
+              <a:rPr lang="en-US" dirty="0" err="1"/>
+              <a:t>đánh</a:t>
+            </a:r>
+            <a:r>
+              <a:rPr lang="en-US" dirty="0"/>
+              <a:t> </a:t>
+            </a:r>
+            <a:r>
+              <a:rPr lang="en-US" dirty="0" err="1"/>
+              <a:t>giá</a:t>
+            </a:r>
+            <a:r>
+              <a:rPr lang="en-US" dirty="0"/>
+              <a:t> </a:t>
+            </a:r>
+            <a:r>
+              <a:rPr lang="en-US" dirty="0" err="1"/>
+              <a:t>đầy</a:t>
+            </a:r>
+            <a:r>
+              <a:rPr lang="en-US" dirty="0"/>
+              <a:t> </a:t>
+            </a:r>
+            <a:r>
+              <a:rPr lang="en-US" dirty="0" err="1"/>
+              <a:t>đủ</a:t>
+            </a:r>
+            <a:r>
+              <a:rPr lang="en-US" dirty="0"/>
+              <a:t> </a:t>
+            </a:r>
+            <a:r>
+              <a:rPr lang="en-US" dirty="0" err="1"/>
+              <a:t>về</a:t>
+            </a:r>
+            <a:r>
+              <a:rPr lang="en-US" dirty="0"/>
+              <a:t> </a:t>
+            </a:r>
+            <a:r>
+              <a:rPr lang="en-US" dirty="0" err="1"/>
+              <a:t>các</a:t>
+            </a:r>
+            <a:r>
+              <a:rPr lang="en-US" dirty="0"/>
+              <a:t> </a:t>
+            </a:r>
+            <a:r>
+              <a:rPr lang="en-US" dirty="0" err="1"/>
+              <a:t>thử</a:t>
+            </a:r>
+            <a:r>
+              <a:rPr lang="en-US" dirty="0"/>
+              <a:t> </a:t>
+            </a:r>
+            <a:r>
+              <a:rPr lang="en-US" dirty="0" err="1"/>
+              <a:t>nghiệm</a:t>
+            </a:r>
+            <a:r>
+              <a:rPr lang="en-US" dirty="0"/>
+              <a:t> </a:t>
+            </a:r>
+            <a:r>
+              <a:rPr lang="en-US" dirty="0" err="1"/>
+              <a:t>trên</a:t>
+            </a:r>
+            <a:r>
+              <a:rPr lang="en-US" dirty="0"/>
+              <a:t> </a:t>
+            </a:r>
+            <a:r>
+              <a:rPr lang="en-US" dirty="0" err="1"/>
+              <a:t>cách</a:t>
+            </a:r>
+            <a:r>
+              <a:rPr lang="en-US" dirty="0"/>
+              <a:t> l</a:t>
+            </a:r>
+            <a:r>
+              <a:rPr lang="vi-VN" dirty="0"/>
+              <a:t>ư</a:t>
+            </a:r>
+            <a:r>
+              <a:rPr lang="en-US" dirty="0"/>
+              <a:t>u </a:t>
+            </a:r>
+            <a:r>
+              <a:rPr lang="en-US" dirty="0" err="1"/>
+              <a:t>trữ</a:t>
+            </a:r>
+            <a:r>
+              <a:rPr lang="en-US" dirty="0"/>
+              <a:t> </a:t>
+            </a:r>
+            <a:r>
+              <a:rPr lang="en-US" dirty="0" err="1"/>
+              <a:t>theo</a:t>
+            </a:r>
+            <a:r>
+              <a:rPr lang="en-US" dirty="0"/>
+              <a:t> </a:t>
+            </a:r>
+            <a:r>
+              <a:rPr lang="en-US" dirty="0" err="1"/>
+              <a:t>dạng</a:t>
+            </a:r>
+            <a:r>
+              <a:rPr lang="en-US" dirty="0"/>
+              <a:t> </a:t>
+            </a:r>
+            <a:r>
+              <a:rPr lang="en-US" dirty="0" err="1"/>
+              <a:t>cột</a:t>
+            </a:r>
+            <a:endParaRPr lang="en-US" dirty="0"/>
+          </a:p>
+        </p:txBody>
+      </p:sp>
+      <p:sp>
+        <p:nvSpPr>
+          <p:cNvPr id="4" name="Chỗ dành sẵn cho Số hiệu Bản chiếu 3">
+            <a:extLst>
+              <a:ext uri="{FF2B5EF4-FFF2-40B4-BE49-F238E27FC236}">
+                <a16:creationId xmlns:a16="http://schemas.microsoft.com/office/drawing/2014/main" id="{E754A6AB-A919-4EFA-BCE4-DAF20A8FAF20}"/>
+              </a:ext>
+            </a:extLst>
+          </p:cNvPr>
+          <p:cNvSpPr>
+            <a:spLocks noGrp="1"/>
+          </p:cNvSpPr>
+          <p:nvPr>
+            <p:ph type="sldNum" sz="quarter" idx="12"/>
+          </p:nvPr>
+        </p:nvSpPr>
+        <p:spPr/>
+        <p:txBody>
+          <a:bodyPr/>
+          <a:lstStyle/>
+          <a:p>
+            <a:fld id="{9514B7F1-BB48-43C4-8AAC-DDDF7391C027}" type="slidenum">
+              <a:rPr lang="en-US" smtClean="0"/>
+              <a:t>23</a:t>
+            </a:fld>
+            <a:endParaRPr lang="en-US"/>
+          </a:p>
+        </p:txBody>
+      </p:sp>
+    </p:spTree>
+    <p:extLst>
+      <p:ext uri="{BB962C8B-B14F-4D97-AF65-F5344CB8AC3E}">
+        <p14:creationId xmlns:p14="http://schemas.microsoft.com/office/powerpoint/2010/main" val="2909463765"/>
+      </p:ext>
+    </p:extLst>
+  </p:cSld>
+  <p:clrMapOvr>
+    <a:masterClrMapping/>
+  </p:clrMapOvr>
+</p:sld>
+</file>
+
+<file path=ppt/slides/slide24.xml><?xml version="1.0" encoding="utf-8"?>
 <p:sld xmlns:a="http://schemas.openxmlformats.org/drawingml/2006/main" xmlns:r="http://schemas.openxmlformats.org/officeDocument/2006/relationships" xmlns:p="http://schemas.openxmlformats.org/presentationml/2006/main">
   <p:cSld>
     <p:spTree>
@@ -9011,23 +11844,51 @@
               <a:t>4. </a:t>
             </a:r>
             <a:r>
-              <a:rPr lang="vi-VN" dirty="0" err="1"/>
-              <a:t>Hướng</a:t>
+              <a:rPr lang="en-US" dirty="0" err="1"/>
+              <a:t>Kết</a:t>
+            </a:r>
+            <a:r>
+              <a:rPr lang="en-US" dirty="0"/>
+              <a:t> </a:t>
+            </a:r>
+            <a:r>
+              <a:rPr lang="en-US" dirty="0" err="1"/>
+              <a:t>luận</a:t>
+            </a:r>
+            <a:r>
+              <a:rPr lang="en-US" dirty="0"/>
+              <a:t> </a:t>
+            </a:r>
+            <a:r>
+              <a:rPr lang="en-US" dirty="0" err="1"/>
+              <a:t>và</a:t>
+            </a:r>
+            <a:r>
+              <a:rPr lang="en-US" dirty="0"/>
+              <a:t> h</a:t>
             </a:r>
             <a:r>
               <a:rPr lang="vi-VN" dirty="0"/>
-              <a:t> </a:t>
-            </a:r>
-            <a:r>
-              <a:rPr lang="vi-VN" dirty="0" err="1"/>
+              <a:t>ư</a:t>
+            </a:r>
+            <a:r>
+              <a:rPr lang="en-US" dirty="0" err="1"/>
+              <a:t>ớng</a:t>
+            </a:r>
+            <a:r>
+              <a:rPr lang="en-US" dirty="0"/>
+              <a:t> </a:t>
+            </a:r>
+            <a:r>
+              <a:rPr lang="en-US" dirty="0" err="1"/>
               <a:t>phát</a:t>
             </a:r>
             <a:r>
-              <a:rPr lang="vi-VN" dirty="0"/>
-              <a:t> </a:t>
-            </a:r>
-            <a:r>
-              <a:rPr lang="vi-VN" dirty="0" err="1"/>
+              <a:rPr lang="en-US" dirty="0"/>
+              <a:t> </a:t>
+            </a:r>
+            <a:r>
+              <a:rPr lang="en-US" dirty="0" err="1"/>
               <a:t>triển</a:t>
             </a:r>
             <a:endParaRPr lang="en-US" dirty="0"/>
@@ -9057,7 +11918,41 @@
           </a:bodyPr>
           <a:lstStyle/>
           <a:p>
-            <a:pPr lvl="1">
+            <a:pPr marL="201168" lvl="1" indent="0">
+              <a:buNone/>
+            </a:pPr>
+            <a:r>
+              <a:rPr lang="en-US" dirty="0"/>
+              <a:t>H</a:t>
+            </a:r>
+            <a:r>
+              <a:rPr lang="vi-VN" dirty="0"/>
+              <a:t>ư</a:t>
+            </a:r>
+            <a:r>
+              <a:rPr lang="en-US" dirty="0" err="1"/>
+              <a:t>ớng</a:t>
+            </a:r>
+            <a:r>
+              <a:rPr lang="en-US" dirty="0"/>
+              <a:t> </a:t>
+            </a:r>
+            <a:r>
+              <a:rPr lang="en-US" dirty="0" err="1"/>
+              <a:t>phát</a:t>
+            </a:r>
+            <a:r>
+              <a:rPr lang="en-US" dirty="0"/>
+              <a:t> </a:t>
+            </a:r>
+            <a:r>
+              <a:rPr lang="en-US" dirty="0" err="1"/>
+              <a:t>triển</a:t>
+            </a:r>
+            <a:endParaRPr lang="en-US" dirty="0"/>
+          </a:p>
+          <a:p>
+            <a:pPr lvl="2">
               <a:buFont typeface="Arial" panose="020B0604020202020204" pitchFamily="34" charset="0"/>
               <a:buChar char="•"/>
             </a:pPr>
@@ -9077,53 +11972,78 @@
               <a:rPr lang="vi-VN" dirty="0"/>
               <a:t> HQT CSDL</a:t>
             </a:r>
-            <a:endParaRPr lang="en-US" dirty="0"/>
-          </a:p>
-          <a:p>
-            <a:pPr lvl="1">
+          </a:p>
+          <a:p>
+            <a:pPr lvl="2">
               <a:buFont typeface="Arial" panose="020B0604020202020204" pitchFamily="34" charset="0"/>
               <a:buChar char="•"/>
             </a:pPr>
-            <a:endParaRPr lang="vi-VN" dirty="0"/>
-          </a:p>
-          <a:p>
-            <a:pPr lvl="1">
+            <a:r>
+              <a:rPr lang="vi-VN" dirty="0"/>
+              <a:t>Nâng cao </a:t>
+            </a:r>
+            <a:r>
+              <a:rPr lang="vi-VN" dirty="0" err="1"/>
+              <a:t>bảo</a:t>
+            </a:r>
+            <a:r>
+              <a:rPr lang="vi-VN" dirty="0"/>
+              <a:t> </a:t>
+            </a:r>
+            <a:r>
+              <a:rPr lang="vi-VN" dirty="0" err="1"/>
+              <a:t>mật</a:t>
+            </a:r>
+            <a:endParaRPr lang="en-US" dirty="0"/>
+          </a:p>
+          <a:p>
+            <a:pPr lvl="2">
               <a:buFont typeface="Arial" panose="020B0604020202020204" pitchFamily="34" charset="0"/>
               <a:buChar char="•"/>
             </a:pPr>
             <a:r>
+              <a:rPr lang="en-US" dirty="0" err="1"/>
+              <a:t>Phát</a:t>
+            </a:r>
+            <a:r>
+              <a:rPr lang="en-US" dirty="0"/>
+              <a:t> </a:t>
+            </a:r>
+            <a:r>
+              <a:rPr lang="en-US" dirty="0" err="1"/>
+              <a:t>triển</a:t>
+            </a:r>
+            <a:r>
+              <a:rPr lang="en-US" dirty="0"/>
+              <a:t> </a:t>
+            </a:r>
+            <a:r>
+              <a:rPr lang="en-US" dirty="0" err="1"/>
+              <a:t>thành</a:t>
+            </a:r>
+            <a:r>
+              <a:rPr lang="en-US" dirty="0"/>
+              <a:t> </a:t>
+            </a:r>
+            <a:r>
+              <a:rPr lang="en-US" dirty="0" err="1"/>
+              <a:t>hệ</a:t>
+            </a:r>
+            <a:r>
+              <a:rPr lang="en-US" dirty="0"/>
+              <a:t> </a:t>
+            </a:r>
+            <a:r>
+              <a:rPr lang="en-US" dirty="0" err="1"/>
+              <a:t>thống</a:t>
+            </a:r>
+            <a:r>
+              <a:rPr lang="en-US" dirty="0"/>
+              <a:t> p</a:t>
+            </a:r>
+            <a:r>
               <a:rPr lang="vi-VN" dirty="0"/>
-              <a:t>Nâng cao </a:t>
-            </a:r>
-            <a:r>
-              <a:rPr lang="vi-VN" dirty="0" err="1"/>
-              <a:t>bảo</a:t>
-            </a:r>
-            <a:r>
-              <a:rPr lang="vi-VN" dirty="0"/>
-              <a:t> </a:t>
-            </a:r>
-            <a:r>
-              <a:rPr lang="vi-VN" dirty="0" err="1"/>
-              <a:t>mật</a:t>
-            </a:r>
-            <a:endParaRPr lang="en-US" dirty="0"/>
-          </a:p>
-          <a:p>
-            <a:pPr lvl="1">
-              <a:buFont typeface="Arial" panose="020B0604020202020204" pitchFamily="34" charset="0"/>
-              <a:buChar char="•"/>
-            </a:pPr>
-            <a:endParaRPr lang="vi-VN" dirty="0"/>
-          </a:p>
-          <a:p>
-            <a:pPr lvl="1">
-              <a:buFont typeface="Arial" panose="020B0604020202020204" pitchFamily="34" charset="0"/>
-              <a:buChar char="•"/>
-            </a:pPr>
-            <a:r>
-              <a:rPr lang="vi-VN" dirty="0"/>
-              <a:t>Phân </a:t>
+              <a:t>hân </a:t>
             </a:r>
             <a:r>
               <a:rPr lang="vi-VN" dirty="0" err="1"/>
@@ -9156,7 +12076,7 @@
           <a:p>
             <a:fld id="{9514B7F1-BB48-43C4-8AAC-DDDF7391C027}" type="slidenum">
               <a:rPr lang="en-US" smtClean="0"/>
-              <a:t>19</a:t>
+              <a:t>24</a:t>
             </a:fld>
             <a:endParaRPr lang="en-US"/>
           </a:p>
@@ -9175,261 +12095,7 @@
 </p:sld>
 </file>
 
-<file path=ppt/slides/slide2.xml><?xml version="1.0" encoding="utf-8"?>
-<p:sld xmlns:a="http://schemas.openxmlformats.org/drawingml/2006/main" xmlns:r="http://schemas.openxmlformats.org/officeDocument/2006/relationships" xmlns:p="http://schemas.openxmlformats.org/presentationml/2006/main">
-  <p:cSld>
-    <p:spTree>
-      <p:nvGrpSpPr>
-        <p:cNvPr id="1" name=""/>
-        <p:cNvGrpSpPr/>
-        <p:nvPr/>
-      </p:nvGrpSpPr>
-      <p:grpSpPr>
-        <a:xfrm>
-          <a:off x="0" y="0"/>
-          <a:ext cx="0" cy="0"/>
-          <a:chOff x="0" y="0"/>
-          <a:chExt cx="0" cy="0"/>
-        </a:xfrm>
-      </p:grpSpPr>
-      <p:sp>
-        <p:nvSpPr>
-          <p:cNvPr id="2" name="Tiêu đề 1">
-            <a:extLst>
-              <a:ext uri="{FF2B5EF4-FFF2-40B4-BE49-F238E27FC236}">
-                <a16:creationId xmlns:a16="http://schemas.microsoft.com/office/drawing/2014/main" id="{57359D99-D589-4154-A157-16016EB328D4}"/>
-              </a:ext>
-            </a:extLst>
-          </p:cNvPr>
-          <p:cNvSpPr>
-            <a:spLocks noGrp="1"/>
-          </p:cNvSpPr>
-          <p:nvPr>
-            <p:ph type="title"/>
-          </p:nvPr>
-        </p:nvSpPr>
-        <p:spPr/>
-        <p:txBody>
-          <a:bodyPr/>
-          <a:lstStyle/>
-          <a:p>
-            <a:r>
-              <a:rPr lang="en-US" dirty="0" err="1"/>
-              <a:t>Mục</a:t>
-            </a:r>
-            <a:r>
-              <a:rPr lang="en-US" dirty="0"/>
-              <a:t> </a:t>
-            </a:r>
-            <a:r>
-              <a:rPr lang="en-US" dirty="0" err="1"/>
-              <a:t>lục</a:t>
-            </a:r>
-            <a:endParaRPr lang="en-US" dirty="0"/>
-          </a:p>
-        </p:txBody>
-      </p:sp>
-      <p:sp>
-        <p:nvSpPr>
-          <p:cNvPr id="3" name="Chỗ dành sẵn cho Nội dung 2">
-            <a:extLst>
-              <a:ext uri="{FF2B5EF4-FFF2-40B4-BE49-F238E27FC236}">
-                <a16:creationId xmlns:a16="http://schemas.microsoft.com/office/drawing/2014/main" id="{0231877E-FA37-4A79-B298-2748E0BA1758}"/>
-              </a:ext>
-            </a:extLst>
-          </p:cNvPr>
-          <p:cNvSpPr>
-            <a:spLocks noGrp="1"/>
-          </p:cNvSpPr>
-          <p:nvPr>
-            <p:ph idx="1"/>
-          </p:nvPr>
-        </p:nvSpPr>
-        <p:spPr/>
-        <p:txBody>
-          <a:bodyPr/>
-          <a:lstStyle/>
-          <a:p>
-            <a:pPr marL="715518" lvl="1" indent="-514350">
-              <a:buFont typeface="+mj-lt"/>
-              <a:buAutoNum type="arabicPeriod"/>
-            </a:pPr>
-            <a:r>
-              <a:rPr lang="en-US" dirty="0"/>
-              <a:t>C</a:t>
-            </a:r>
-            <a:r>
-              <a:rPr lang="vi-VN" dirty="0"/>
-              <a:t>ơ</a:t>
-            </a:r>
-            <a:r>
-              <a:rPr lang="en-US" dirty="0"/>
-              <a:t> </a:t>
-            </a:r>
-            <a:r>
-              <a:rPr lang="en-US" dirty="0" err="1"/>
-              <a:t>sở</a:t>
-            </a:r>
-            <a:r>
-              <a:rPr lang="en-US" dirty="0"/>
-              <a:t> </a:t>
-            </a:r>
-            <a:r>
-              <a:rPr lang="en-US" dirty="0" err="1"/>
-              <a:t>dữ</a:t>
-            </a:r>
-            <a:r>
-              <a:rPr lang="en-US" dirty="0"/>
-              <a:t> </a:t>
-            </a:r>
-            <a:r>
-              <a:rPr lang="en-US" dirty="0" err="1"/>
-              <a:t>liệu</a:t>
-            </a:r>
-            <a:r>
-              <a:rPr lang="en-US" dirty="0"/>
-              <a:t> </a:t>
-            </a:r>
-            <a:r>
-              <a:rPr lang="en-US" dirty="0" err="1"/>
-              <a:t>dạng</a:t>
-            </a:r>
-            <a:r>
-              <a:rPr lang="en-US" dirty="0"/>
-              <a:t> </a:t>
-            </a:r>
-            <a:r>
-              <a:rPr lang="en-US" dirty="0" err="1"/>
-              <a:t>cột</a:t>
-            </a:r>
-            <a:endParaRPr lang="en-US" dirty="0"/>
-          </a:p>
-          <a:p>
-            <a:pPr marL="715518" lvl="1" indent="-514350">
-              <a:buFont typeface="+mj-lt"/>
-              <a:buAutoNum type="arabicPeriod"/>
-            </a:pPr>
-            <a:r>
-              <a:rPr lang="en-US" dirty="0" err="1"/>
-              <a:t>Kiến</a:t>
-            </a:r>
-            <a:r>
-              <a:rPr lang="en-US" dirty="0"/>
-              <a:t> </a:t>
-            </a:r>
-            <a:r>
-              <a:rPr lang="en-US" dirty="0" err="1"/>
-              <a:t>trúc</a:t>
-            </a:r>
-            <a:r>
-              <a:rPr lang="en-US" dirty="0"/>
-              <a:t> </a:t>
-            </a:r>
-            <a:r>
-              <a:rPr lang="en-US" dirty="0" err="1"/>
-              <a:t>thiết</a:t>
-            </a:r>
-            <a:r>
-              <a:rPr lang="en-US" dirty="0"/>
-              <a:t> </a:t>
-            </a:r>
-            <a:r>
-              <a:rPr lang="en-US" dirty="0" err="1"/>
-              <a:t>kế</a:t>
-            </a:r>
-            <a:endParaRPr lang="en-US" dirty="0"/>
-          </a:p>
-          <a:p>
-            <a:pPr marL="715518" lvl="1" indent="-514350">
-              <a:buFont typeface="+mj-lt"/>
-              <a:buAutoNum type="arabicPeriod"/>
-            </a:pPr>
-            <a:r>
-              <a:rPr lang="en-US" dirty="0" err="1"/>
-              <a:t>Đánh</a:t>
-            </a:r>
-            <a:r>
-              <a:rPr lang="en-US" dirty="0"/>
-              <a:t> </a:t>
-            </a:r>
-            <a:r>
-              <a:rPr lang="en-US" dirty="0" err="1"/>
-              <a:t>giá</a:t>
-            </a:r>
-            <a:endParaRPr lang="en-US" dirty="0"/>
-          </a:p>
-          <a:p>
-            <a:pPr marL="715518" lvl="1" indent="-514350">
-              <a:buFont typeface="+mj-lt"/>
-              <a:buAutoNum type="arabicPeriod"/>
-            </a:pPr>
-            <a:r>
-              <a:rPr lang="vi-VN" dirty="0" err="1"/>
-              <a:t>Hướng</a:t>
-            </a:r>
-            <a:r>
-              <a:rPr lang="vi-VN" dirty="0"/>
-              <a:t> </a:t>
-            </a:r>
-            <a:r>
-              <a:rPr lang="vi-VN" dirty="0" err="1"/>
-              <a:t>phát</a:t>
-            </a:r>
-            <a:r>
-              <a:rPr lang="vi-VN" dirty="0"/>
-              <a:t> </a:t>
-            </a:r>
-            <a:r>
-              <a:rPr lang="vi-VN" dirty="0" err="1"/>
-              <a:t>triển</a:t>
-            </a:r>
-            <a:endParaRPr lang="en-US" dirty="0"/>
-          </a:p>
-        </p:txBody>
-      </p:sp>
-      <p:sp>
-        <p:nvSpPr>
-          <p:cNvPr id="4" name="Chỗ dành sẵn cho Số hiệu Bản chiếu 3">
-            <a:extLst>
-              <a:ext uri="{FF2B5EF4-FFF2-40B4-BE49-F238E27FC236}">
-                <a16:creationId xmlns:a16="http://schemas.microsoft.com/office/drawing/2014/main" id="{405EA86F-C1D3-48D4-9543-A68FBDF75365}"/>
-              </a:ext>
-            </a:extLst>
-          </p:cNvPr>
-          <p:cNvSpPr>
-            <a:spLocks noGrp="1"/>
-          </p:cNvSpPr>
-          <p:nvPr>
-            <p:ph type="sldNum" sz="quarter" idx="12"/>
-          </p:nvPr>
-        </p:nvSpPr>
-        <p:spPr/>
-        <p:txBody>
-          <a:bodyPr/>
-          <a:lstStyle/>
-          <a:p>
-            <a:fld id="{9514B7F1-BB48-43C4-8AAC-DDDF7391C027}" type="slidenum">
-              <a:rPr lang="en-US" smtClean="0"/>
-              <a:t>2</a:t>
-            </a:fld>
-            <a:endParaRPr lang="en-US"/>
-          </a:p>
-        </p:txBody>
-      </p:sp>
-    </p:spTree>
-    <p:extLst>
-      <p:ext uri="{BB962C8B-B14F-4D97-AF65-F5344CB8AC3E}">
-        <p14:creationId xmlns:p14="http://schemas.microsoft.com/office/powerpoint/2010/main" val="2545436999"/>
-      </p:ext>
-    </p:extLst>
-  </p:cSld>
-  <p:clrMapOvr>
-    <a:masterClrMapping/>
-  </p:clrMapOvr>
-</p:sld>
-</file>
-
-<file path=ppt/slides/slide20.xml><?xml version="1.0" encoding="utf-8"?>
+<file path=ppt/slides/slide25.xml><?xml version="1.0" encoding="utf-8"?>
 <p:sld xmlns:a="http://schemas.openxmlformats.org/drawingml/2006/main" xmlns:r="http://schemas.openxmlformats.org/officeDocument/2006/relationships" xmlns:p="http://schemas.openxmlformats.org/presentationml/2006/main">
   <p:cSld>
     <p:spTree>
@@ -9580,7 +12246,7 @@
           <a:p>
             <a:fld id="{9514B7F1-BB48-43C4-8AAC-DDDF7391C027}" type="slidenum">
               <a:rPr lang="en-US" smtClean="0"/>
-              <a:t>20</a:t>
+              <a:t>25</a:t>
             </a:fld>
             <a:endParaRPr lang="en-US"/>
           </a:p>
@@ -10721,6 +13387,1031 @@
           <p:cNvPr id="2" name="Tiêu đề 1">
             <a:extLst>
               <a:ext uri="{FF2B5EF4-FFF2-40B4-BE49-F238E27FC236}">
+                <a16:creationId xmlns:a16="http://schemas.microsoft.com/office/drawing/2014/main" id="{137087E4-6682-4D53-8C10-5E9461A6539C}"/>
+              </a:ext>
+            </a:extLst>
+          </p:cNvPr>
+          <p:cNvSpPr>
+            <a:spLocks noGrp="1"/>
+          </p:cNvSpPr>
+          <p:nvPr>
+            <p:ph type="title"/>
+          </p:nvPr>
+        </p:nvSpPr>
+        <p:spPr/>
+        <p:txBody>
+          <a:bodyPr/>
+          <a:lstStyle/>
+          <a:p>
+            <a:r>
+              <a:rPr lang="en-US" dirty="0"/>
+              <a:t>1. C</a:t>
+            </a:r>
+            <a:r>
+              <a:rPr lang="vi-VN" dirty="0"/>
+              <a:t>ơ</a:t>
+            </a:r>
+            <a:r>
+              <a:rPr lang="en-US" dirty="0"/>
+              <a:t> </a:t>
+            </a:r>
+            <a:r>
+              <a:rPr lang="en-US" dirty="0" err="1"/>
+              <a:t>sở</a:t>
+            </a:r>
+            <a:r>
+              <a:rPr lang="en-US" dirty="0"/>
+              <a:t> </a:t>
+            </a:r>
+            <a:r>
+              <a:rPr lang="en-US" dirty="0" err="1"/>
+              <a:t>dữ</a:t>
+            </a:r>
+            <a:r>
+              <a:rPr lang="en-US" dirty="0"/>
+              <a:t> </a:t>
+            </a:r>
+            <a:r>
+              <a:rPr lang="en-US" dirty="0" err="1"/>
+              <a:t>liệu</a:t>
+            </a:r>
+            <a:r>
+              <a:rPr lang="en-US" dirty="0"/>
+              <a:t> </a:t>
+            </a:r>
+            <a:r>
+              <a:rPr lang="en-US" dirty="0" err="1"/>
+              <a:t>dạng</a:t>
+            </a:r>
+            <a:r>
+              <a:rPr lang="en-US" dirty="0"/>
+              <a:t> </a:t>
+            </a:r>
+            <a:r>
+              <a:rPr lang="en-US" dirty="0" err="1"/>
+              <a:t>cột</a:t>
+            </a:r>
+            <a:endParaRPr lang="en-US" dirty="0"/>
+          </a:p>
+        </p:txBody>
+      </p:sp>
+      <p:sp>
+        <p:nvSpPr>
+          <p:cNvPr id="3" name="Chỗ dành sẵn cho Nội dung 2">
+            <a:extLst>
+              <a:ext uri="{FF2B5EF4-FFF2-40B4-BE49-F238E27FC236}">
+                <a16:creationId xmlns:a16="http://schemas.microsoft.com/office/drawing/2014/main" id="{DD6E4336-3D72-45DB-A4A4-E889C3CA50CE}"/>
+              </a:ext>
+            </a:extLst>
+          </p:cNvPr>
+          <p:cNvSpPr>
+            <a:spLocks noGrp="1"/>
+          </p:cNvSpPr>
+          <p:nvPr>
+            <p:ph idx="1"/>
+          </p:nvPr>
+        </p:nvSpPr>
+        <p:spPr/>
+        <p:txBody>
+          <a:bodyPr/>
+          <a:lstStyle/>
+          <a:p>
+            <a:r>
+              <a:rPr lang="en-US" dirty="0" err="1"/>
+              <a:t>Thường</a:t>
+            </a:r>
+            <a:r>
+              <a:rPr lang="en-US" dirty="0"/>
+              <a:t> đ</a:t>
+            </a:r>
+            <a:r>
+              <a:rPr lang="vi-VN" dirty="0"/>
+              <a:t>ư</a:t>
+            </a:r>
+            <a:r>
+              <a:rPr lang="en-US" dirty="0" err="1"/>
+              <a:t>ợc</a:t>
+            </a:r>
+            <a:r>
+              <a:rPr lang="en-US" dirty="0"/>
+              <a:t> </a:t>
+            </a:r>
+            <a:r>
+              <a:rPr lang="en-US" dirty="0" err="1"/>
+              <a:t>áp</a:t>
+            </a:r>
+            <a:r>
+              <a:rPr lang="en-US" dirty="0"/>
+              <a:t> </a:t>
+            </a:r>
+            <a:r>
+              <a:rPr lang="en-US" dirty="0" err="1"/>
+              <a:t>dụng</a:t>
+            </a:r>
+            <a:r>
+              <a:rPr lang="en-US" dirty="0"/>
+              <a:t> </a:t>
+            </a:r>
+            <a:r>
+              <a:rPr lang="en-US" dirty="0" err="1"/>
+              <a:t>vào</a:t>
+            </a:r>
+            <a:r>
+              <a:rPr lang="en-US" dirty="0"/>
+              <a:t> </a:t>
+            </a:r>
+            <a:r>
+              <a:rPr lang="en-US" dirty="0" err="1"/>
+              <a:t>các</a:t>
+            </a:r>
+            <a:r>
+              <a:rPr lang="en-US" dirty="0"/>
+              <a:t> </a:t>
+            </a:r>
+            <a:r>
+              <a:rPr lang="en-US" dirty="0" err="1"/>
+              <a:t>sản</a:t>
+            </a:r>
+            <a:r>
+              <a:rPr lang="en-US" dirty="0"/>
+              <a:t> </a:t>
+            </a:r>
+            <a:r>
+              <a:rPr lang="en-US" dirty="0" err="1"/>
+              <a:t>phẩm</a:t>
+            </a:r>
+            <a:r>
+              <a:rPr lang="en-US" dirty="0"/>
+              <a:t> c</a:t>
+            </a:r>
+            <a:r>
+              <a:rPr lang="vi-VN" dirty="0"/>
+              <a:t>ơ</a:t>
+            </a:r>
+            <a:r>
+              <a:rPr lang="en-US" dirty="0"/>
+              <a:t> </a:t>
+            </a:r>
+            <a:r>
+              <a:rPr lang="en-US" dirty="0" err="1"/>
+              <a:t>sở</a:t>
+            </a:r>
+            <a:r>
+              <a:rPr lang="en-US" dirty="0"/>
+              <a:t> </a:t>
+            </a:r>
+            <a:r>
+              <a:rPr lang="en-US" dirty="0" err="1"/>
+              <a:t>dữ</a:t>
+            </a:r>
+            <a:r>
+              <a:rPr lang="en-US" dirty="0"/>
+              <a:t> </a:t>
+            </a:r>
+            <a:r>
+              <a:rPr lang="en-US" dirty="0" err="1"/>
+              <a:t>liệu</a:t>
+            </a:r>
+            <a:r>
+              <a:rPr lang="en-US" dirty="0"/>
+              <a:t> phi </a:t>
+            </a:r>
+            <a:r>
+              <a:rPr lang="en-US" dirty="0" err="1"/>
+              <a:t>quan</a:t>
+            </a:r>
+            <a:r>
+              <a:rPr lang="en-US" dirty="0"/>
+              <a:t> </a:t>
+            </a:r>
+            <a:r>
+              <a:rPr lang="en-US" dirty="0" err="1"/>
+              <a:t>hệ</a:t>
+            </a:r>
+            <a:r>
+              <a:rPr lang="en-US" dirty="0"/>
+              <a:t> (No SQL)</a:t>
+            </a:r>
+          </a:p>
+        </p:txBody>
+      </p:sp>
+      <p:sp>
+        <p:nvSpPr>
+          <p:cNvPr id="4" name="Chỗ dành sẵn cho Số hiệu Bản chiếu 3">
+            <a:extLst>
+              <a:ext uri="{FF2B5EF4-FFF2-40B4-BE49-F238E27FC236}">
+                <a16:creationId xmlns:a16="http://schemas.microsoft.com/office/drawing/2014/main" id="{D634D5E0-9D93-480F-A816-5B851965F7EB}"/>
+              </a:ext>
+            </a:extLst>
+          </p:cNvPr>
+          <p:cNvSpPr>
+            <a:spLocks noGrp="1"/>
+          </p:cNvSpPr>
+          <p:nvPr>
+            <p:ph type="sldNum" sz="quarter" idx="12"/>
+          </p:nvPr>
+        </p:nvSpPr>
+        <p:spPr/>
+        <p:txBody>
+          <a:bodyPr/>
+          <a:lstStyle/>
+          <a:p>
+            <a:fld id="{9514B7F1-BB48-43C4-8AAC-DDDF7391C027}" type="slidenum">
+              <a:rPr lang="en-US" smtClean="0"/>
+              <a:t>6</a:t>
+            </a:fld>
+            <a:endParaRPr lang="en-US"/>
+          </a:p>
+        </p:txBody>
+      </p:sp>
+      <p:pic>
+        <p:nvPicPr>
+          <p:cNvPr id="6" name="Hình ảnh 5">
+            <a:extLst>
+              <a:ext uri="{FF2B5EF4-FFF2-40B4-BE49-F238E27FC236}">
+                <a16:creationId xmlns:a16="http://schemas.microsoft.com/office/drawing/2014/main" id="{966BA943-36A9-46FB-BB12-00EF964DC6F1}"/>
+              </a:ext>
+            </a:extLst>
+          </p:cNvPr>
+          <p:cNvPicPr>
+            <a:picLocks noChangeAspect="1"/>
+          </p:cNvPicPr>
+          <p:nvPr/>
+        </p:nvPicPr>
+        <p:blipFill>
+          <a:blip r:embed="rId2">
+            <a:extLst>
+              <a:ext uri="{28A0092B-C50C-407E-A947-70E740481C1C}">
+                <a14:useLocalDpi xmlns:a14="http://schemas.microsoft.com/office/drawing/2010/main" val="0"/>
+              </a:ext>
+            </a:extLst>
+          </a:blip>
+          <a:stretch>
+            <a:fillRect/>
+          </a:stretch>
+        </p:blipFill>
+        <p:spPr>
+          <a:xfrm>
+            <a:off x="9191452" y="3255504"/>
+            <a:ext cx="1901687" cy="2570799"/>
+          </a:xfrm>
+          <a:prstGeom prst="rect">
+            <a:avLst/>
+          </a:prstGeom>
+        </p:spPr>
+      </p:pic>
+      <p:pic>
+        <p:nvPicPr>
+          <p:cNvPr id="8" name="Hình ảnh 7">
+            <a:extLst>
+              <a:ext uri="{FF2B5EF4-FFF2-40B4-BE49-F238E27FC236}">
+                <a16:creationId xmlns:a16="http://schemas.microsoft.com/office/drawing/2014/main" id="{BADDC5A9-96B8-4CA8-8E86-CBA9ED40FF3E}"/>
+              </a:ext>
+            </a:extLst>
+          </p:cNvPr>
+          <p:cNvPicPr>
+            <a:picLocks noChangeAspect="1"/>
+          </p:cNvPicPr>
+          <p:nvPr/>
+        </p:nvPicPr>
+        <p:blipFill>
+          <a:blip r:embed="rId3">
+            <a:extLst>
+              <a:ext uri="{28A0092B-C50C-407E-A947-70E740481C1C}">
+                <a14:useLocalDpi xmlns:a14="http://schemas.microsoft.com/office/drawing/2010/main" val="0"/>
+              </a:ext>
+            </a:extLst>
+          </a:blip>
+          <a:stretch>
+            <a:fillRect/>
+          </a:stretch>
+        </p:blipFill>
+        <p:spPr>
+          <a:xfrm>
+            <a:off x="1309610" y="2949859"/>
+            <a:ext cx="3864751" cy="986745"/>
+          </a:xfrm>
+          <a:prstGeom prst="rect">
+            <a:avLst/>
+          </a:prstGeom>
+        </p:spPr>
+      </p:pic>
+      <p:pic>
+        <p:nvPicPr>
+          <p:cNvPr id="10" name="Hình ảnh 9">
+            <a:extLst>
+              <a:ext uri="{FF2B5EF4-FFF2-40B4-BE49-F238E27FC236}">
+                <a16:creationId xmlns:a16="http://schemas.microsoft.com/office/drawing/2014/main" id="{7F4D3C41-5975-4B84-8DF7-CD51E74C8D19}"/>
+              </a:ext>
+            </a:extLst>
+          </p:cNvPr>
+          <p:cNvPicPr>
+            <a:picLocks noChangeAspect="1"/>
+          </p:cNvPicPr>
+          <p:nvPr/>
+        </p:nvPicPr>
+        <p:blipFill>
+          <a:blip r:embed="rId4">
+            <a:extLst>
+              <a:ext uri="{28A0092B-C50C-407E-A947-70E740481C1C}">
+                <a14:useLocalDpi xmlns:a14="http://schemas.microsoft.com/office/drawing/2010/main" val="0"/>
+              </a:ext>
+            </a:extLst>
+          </a:blip>
+          <a:stretch>
+            <a:fillRect/>
+          </a:stretch>
+        </p:blipFill>
+        <p:spPr>
+          <a:xfrm>
+            <a:off x="1098860" y="4157593"/>
+            <a:ext cx="4286250" cy="1066800"/>
+          </a:xfrm>
+          <a:prstGeom prst="rect">
+            <a:avLst/>
+          </a:prstGeom>
+        </p:spPr>
+      </p:pic>
+      <p:pic>
+        <p:nvPicPr>
+          <p:cNvPr id="12" name="Hình ảnh 11">
+            <a:extLst>
+              <a:ext uri="{FF2B5EF4-FFF2-40B4-BE49-F238E27FC236}">
+                <a16:creationId xmlns:a16="http://schemas.microsoft.com/office/drawing/2014/main" id="{9C66BD5D-82D1-4A76-BD45-6511A5729554}"/>
+              </a:ext>
+            </a:extLst>
+          </p:cNvPr>
+          <p:cNvPicPr>
+            <a:picLocks noChangeAspect="1"/>
+          </p:cNvPicPr>
+          <p:nvPr/>
+        </p:nvPicPr>
+        <p:blipFill>
+          <a:blip r:embed="rId5">
+            <a:extLst>
+              <a:ext uri="{28A0092B-C50C-407E-A947-70E740481C1C}">
+                <a14:useLocalDpi xmlns:a14="http://schemas.microsoft.com/office/drawing/2010/main" val="0"/>
+              </a:ext>
+            </a:extLst>
+          </a:blip>
+          <a:stretch>
+            <a:fillRect/>
+          </a:stretch>
+        </p:blipFill>
+        <p:spPr>
+          <a:xfrm>
+            <a:off x="1097280" y="5476366"/>
+            <a:ext cx="1107791" cy="758954"/>
+          </a:xfrm>
+          <a:prstGeom prst="rect">
+            <a:avLst/>
+          </a:prstGeom>
+        </p:spPr>
+      </p:pic>
+      <p:cxnSp>
+        <p:nvCxnSpPr>
+          <p:cNvPr id="14" name="Đường nối Thẳng 13">
+            <a:extLst>
+              <a:ext uri="{FF2B5EF4-FFF2-40B4-BE49-F238E27FC236}">
+                <a16:creationId xmlns:a16="http://schemas.microsoft.com/office/drawing/2014/main" id="{F0BBC924-1342-4889-9380-B1368F5A72F0}"/>
+              </a:ext>
+            </a:extLst>
+          </p:cNvPr>
+          <p:cNvCxnSpPr/>
+          <p:nvPr/>
+        </p:nvCxnSpPr>
+        <p:spPr>
+          <a:xfrm>
+            <a:off x="886265" y="4071273"/>
+            <a:ext cx="4916854" cy="0"/>
+          </a:xfrm>
+          <a:prstGeom prst="line">
+            <a:avLst/>
+          </a:prstGeom>
+        </p:spPr>
+        <p:style>
+          <a:lnRef idx="1">
+            <a:schemeClr val="dk1"/>
+          </a:lnRef>
+          <a:fillRef idx="0">
+            <a:schemeClr val="dk1"/>
+          </a:fillRef>
+          <a:effectRef idx="0">
+            <a:schemeClr val="dk1"/>
+          </a:effectRef>
+          <a:fontRef idx="minor">
+            <a:schemeClr val="tx1"/>
+          </a:fontRef>
+        </p:style>
+      </p:cxnSp>
+      <p:cxnSp>
+        <p:nvCxnSpPr>
+          <p:cNvPr id="16" name="Đường nối Thẳng 15">
+            <a:extLst>
+              <a:ext uri="{FF2B5EF4-FFF2-40B4-BE49-F238E27FC236}">
+                <a16:creationId xmlns:a16="http://schemas.microsoft.com/office/drawing/2014/main" id="{EC847B04-963E-447B-AC94-46DC068A5A4B}"/>
+              </a:ext>
+            </a:extLst>
+          </p:cNvPr>
+          <p:cNvCxnSpPr>
+            <a:cxnSpLocks/>
+          </p:cNvCxnSpPr>
+          <p:nvPr/>
+        </p:nvCxnSpPr>
+        <p:spPr>
+          <a:xfrm>
+            <a:off x="886265" y="5297461"/>
+            <a:ext cx="4916854" cy="0"/>
+          </a:xfrm>
+          <a:prstGeom prst="line">
+            <a:avLst/>
+          </a:prstGeom>
+        </p:spPr>
+        <p:style>
+          <a:lnRef idx="1">
+            <a:schemeClr val="dk1"/>
+          </a:lnRef>
+          <a:fillRef idx="0">
+            <a:schemeClr val="dk1"/>
+          </a:fillRef>
+          <a:effectRef idx="0">
+            <a:schemeClr val="dk1"/>
+          </a:effectRef>
+          <a:fontRef idx="minor">
+            <a:schemeClr val="tx1"/>
+          </a:fontRef>
+        </p:style>
+      </p:cxnSp>
+      <p:pic>
+        <p:nvPicPr>
+          <p:cNvPr id="20" name="Hình ảnh 19">
+            <a:extLst>
+              <a:ext uri="{FF2B5EF4-FFF2-40B4-BE49-F238E27FC236}">
+                <a16:creationId xmlns:a16="http://schemas.microsoft.com/office/drawing/2014/main" id="{CDC5B012-E567-4365-9772-FA1C6FFDD11D}"/>
+              </a:ext>
+            </a:extLst>
+          </p:cNvPr>
+          <p:cNvPicPr>
+            <a:picLocks noChangeAspect="1"/>
+          </p:cNvPicPr>
+          <p:nvPr/>
+        </p:nvPicPr>
+        <p:blipFill>
+          <a:blip r:embed="rId6">
+            <a:extLst>
+              <a:ext uri="{28A0092B-C50C-407E-A947-70E740481C1C}">
+                <a14:useLocalDpi xmlns:a14="http://schemas.microsoft.com/office/drawing/2010/main" val="0"/>
+              </a:ext>
+            </a:extLst>
+          </a:blip>
+          <a:stretch>
+            <a:fillRect/>
+          </a:stretch>
+        </p:blipFill>
+        <p:spPr>
+          <a:xfrm>
+            <a:off x="6202018" y="4023861"/>
+            <a:ext cx="2684526" cy="819175"/>
+          </a:xfrm>
+          <a:prstGeom prst="rect">
+            <a:avLst/>
+          </a:prstGeom>
+        </p:spPr>
+      </p:pic>
+    </p:spTree>
+    <p:extLst>
+      <p:ext uri="{BB962C8B-B14F-4D97-AF65-F5344CB8AC3E}">
+        <p14:creationId xmlns:p14="http://schemas.microsoft.com/office/powerpoint/2010/main" val="487616872"/>
+      </p:ext>
+    </p:extLst>
+  </p:cSld>
+  <p:clrMapOvr>
+    <a:masterClrMapping/>
+  </p:clrMapOvr>
+</p:sld>
+</file>
+
+<file path=ppt/slides/slide7.xml><?xml version="1.0" encoding="utf-8"?>
+<p:sld xmlns:a="http://schemas.openxmlformats.org/drawingml/2006/main" xmlns:r="http://schemas.openxmlformats.org/officeDocument/2006/relationships" xmlns:p="http://schemas.openxmlformats.org/presentationml/2006/main">
+  <p:cSld>
+    <p:spTree>
+      <p:nvGrpSpPr>
+        <p:cNvPr id="1" name=""/>
+        <p:cNvGrpSpPr/>
+        <p:nvPr/>
+      </p:nvGrpSpPr>
+      <p:grpSpPr>
+        <a:xfrm>
+          <a:off x="0" y="0"/>
+          <a:ext cx="0" cy="0"/>
+          <a:chOff x="0" y="0"/>
+          <a:chExt cx="0" cy="0"/>
+        </a:xfrm>
+      </p:grpSpPr>
+      <p:sp>
+        <p:nvSpPr>
+          <p:cNvPr id="2" name="Tiêu đề 1">
+            <a:extLst>
+              <a:ext uri="{FF2B5EF4-FFF2-40B4-BE49-F238E27FC236}">
+                <a16:creationId xmlns:a16="http://schemas.microsoft.com/office/drawing/2014/main" id="{D9CC4B0B-915B-4A4F-8406-914FA1A2A8CA}"/>
+              </a:ext>
+            </a:extLst>
+          </p:cNvPr>
+          <p:cNvSpPr>
+            <a:spLocks noGrp="1"/>
+          </p:cNvSpPr>
+          <p:nvPr>
+            <p:ph type="title"/>
+          </p:nvPr>
+        </p:nvSpPr>
+        <p:spPr/>
+        <p:txBody>
+          <a:bodyPr/>
+          <a:lstStyle/>
+          <a:p>
+            <a:r>
+              <a:rPr lang="en-US" dirty="0"/>
+              <a:t>1. C</a:t>
+            </a:r>
+            <a:r>
+              <a:rPr lang="vi-VN" dirty="0"/>
+              <a:t>ơ</a:t>
+            </a:r>
+            <a:r>
+              <a:rPr lang="en-US" dirty="0"/>
+              <a:t> </a:t>
+            </a:r>
+            <a:r>
+              <a:rPr lang="en-US" dirty="0" err="1"/>
+              <a:t>sở</a:t>
+            </a:r>
+            <a:r>
+              <a:rPr lang="en-US" dirty="0"/>
+              <a:t> </a:t>
+            </a:r>
+            <a:r>
+              <a:rPr lang="en-US" dirty="0" err="1"/>
+              <a:t>dữ</a:t>
+            </a:r>
+            <a:r>
+              <a:rPr lang="en-US" dirty="0"/>
+              <a:t> </a:t>
+            </a:r>
+            <a:r>
+              <a:rPr lang="en-US" dirty="0" err="1"/>
+              <a:t>liệu</a:t>
+            </a:r>
+            <a:r>
+              <a:rPr lang="en-US" dirty="0"/>
+              <a:t> </a:t>
+            </a:r>
+            <a:r>
+              <a:rPr lang="en-US" dirty="0" err="1"/>
+              <a:t>dạng</a:t>
+            </a:r>
+            <a:r>
+              <a:rPr lang="en-US" dirty="0"/>
+              <a:t> </a:t>
+            </a:r>
+            <a:r>
+              <a:rPr lang="en-US" dirty="0" err="1"/>
+              <a:t>cột</a:t>
+            </a:r>
+            <a:endParaRPr lang="en-US" dirty="0"/>
+          </a:p>
+        </p:txBody>
+      </p:sp>
+      <p:sp>
+        <p:nvSpPr>
+          <p:cNvPr id="3" name="Chỗ dành sẵn cho Nội dung 2">
+            <a:extLst>
+              <a:ext uri="{FF2B5EF4-FFF2-40B4-BE49-F238E27FC236}">
+                <a16:creationId xmlns:a16="http://schemas.microsoft.com/office/drawing/2014/main" id="{65404453-401D-4D7B-89B2-8CD9F3FE953F}"/>
+              </a:ext>
+            </a:extLst>
+          </p:cNvPr>
+          <p:cNvSpPr>
+            <a:spLocks noGrp="1"/>
+          </p:cNvSpPr>
+          <p:nvPr>
+            <p:ph idx="1"/>
+          </p:nvPr>
+        </p:nvSpPr>
+        <p:spPr/>
+        <p:txBody>
+          <a:bodyPr/>
+          <a:lstStyle/>
+          <a:p>
+            <a:r>
+              <a:rPr lang="en-US" dirty="0" err="1"/>
+              <a:t>Ứng</a:t>
+            </a:r>
+            <a:r>
+              <a:rPr lang="en-US" dirty="0"/>
+              <a:t> </a:t>
+            </a:r>
+            <a:r>
+              <a:rPr lang="en-US" dirty="0" err="1"/>
+              <a:t>dụng</a:t>
+            </a:r>
+            <a:r>
+              <a:rPr lang="en-US" dirty="0"/>
+              <a:t> </a:t>
+            </a:r>
+            <a:r>
+              <a:rPr lang="en-US" dirty="0" err="1"/>
+              <a:t>cho</a:t>
+            </a:r>
+            <a:r>
+              <a:rPr lang="en-US" dirty="0"/>
+              <a:t> </a:t>
+            </a:r>
+            <a:r>
+              <a:rPr lang="en-US" dirty="0" err="1"/>
+              <a:t>hệ</a:t>
+            </a:r>
+            <a:r>
+              <a:rPr lang="en-US" dirty="0"/>
+              <a:t> </a:t>
+            </a:r>
+            <a:r>
+              <a:rPr lang="en-US" dirty="0" err="1"/>
+              <a:t>thống</a:t>
+            </a:r>
+            <a:r>
+              <a:rPr lang="en-US" dirty="0"/>
+              <a:t>:</a:t>
+            </a:r>
+          </a:p>
+          <a:p>
+            <a:pPr lvl="1"/>
+            <a:r>
+              <a:rPr lang="en-US" dirty="0" err="1"/>
+              <a:t>Xử</a:t>
+            </a:r>
+            <a:r>
+              <a:rPr lang="en-US" dirty="0"/>
+              <a:t> </a:t>
+            </a:r>
+            <a:r>
+              <a:rPr lang="en-US" dirty="0" err="1"/>
+              <a:t>lý</a:t>
+            </a:r>
+            <a:r>
+              <a:rPr lang="en-US" dirty="0"/>
+              <a:t> </a:t>
+            </a:r>
+            <a:r>
+              <a:rPr lang="en-US" dirty="0" err="1"/>
+              <a:t>với</a:t>
+            </a:r>
+            <a:r>
+              <a:rPr lang="en-US" dirty="0"/>
+              <a:t> </a:t>
+            </a:r>
+            <a:r>
+              <a:rPr lang="en-US" dirty="0" err="1"/>
+              <a:t>dữ</a:t>
+            </a:r>
+            <a:r>
+              <a:rPr lang="en-US" dirty="0"/>
+              <a:t> </a:t>
+            </a:r>
+            <a:r>
+              <a:rPr lang="en-US" dirty="0" err="1"/>
+              <a:t>liệu</a:t>
+            </a:r>
+            <a:r>
+              <a:rPr lang="en-US" dirty="0"/>
+              <a:t> </a:t>
+            </a:r>
+            <a:r>
+              <a:rPr lang="en-US" dirty="0" err="1"/>
+              <a:t>lớn</a:t>
+            </a:r>
+            <a:endParaRPr lang="en-US" dirty="0"/>
+          </a:p>
+          <a:p>
+            <a:pPr lvl="1"/>
+            <a:r>
+              <a:rPr lang="en-US" dirty="0" err="1"/>
+              <a:t>Các</a:t>
+            </a:r>
+            <a:r>
+              <a:rPr lang="en-US" dirty="0"/>
+              <a:t> </a:t>
+            </a:r>
+            <a:r>
+              <a:rPr lang="en-US" dirty="0" err="1"/>
+              <a:t>truy</a:t>
+            </a:r>
+            <a:r>
+              <a:rPr lang="en-US" dirty="0"/>
+              <a:t> </a:t>
+            </a:r>
+            <a:r>
+              <a:rPr lang="en-US" dirty="0" err="1"/>
+              <a:t>vấn</a:t>
+            </a:r>
+            <a:r>
+              <a:rPr lang="en-US" dirty="0"/>
+              <a:t> </a:t>
+            </a:r>
+            <a:r>
+              <a:rPr lang="en-US" dirty="0" err="1"/>
+              <a:t>tập</a:t>
+            </a:r>
+            <a:r>
+              <a:rPr lang="en-US" dirty="0"/>
+              <a:t> </a:t>
+            </a:r>
+            <a:r>
+              <a:rPr lang="en-US" dirty="0" err="1"/>
+              <a:t>trung</a:t>
+            </a:r>
+            <a:r>
+              <a:rPr lang="en-US" dirty="0"/>
+              <a:t> </a:t>
+            </a:r>
+            <a:r>
+              <a:rPr lang="en-US" dirty="0" err="1"/>
+              <a:t>vào</a:t>
+            </a:r>
+            <a:r>
+              <a:rPr lang="en-US" dirty="0"/>
+              <a:t> </a:t>
+            </a:r>
+            <a:r>
+              <a:rPr lang="en-US" dirty="0" err="1"/>
+              <a:t>dữ</a:t>
+            </a:r>
+            <a:r>
+              <a:rPr lang="en-US" dirty="0"/>
+              <a:t> </a:t>
+            </a:r>
+            <a:r>
+              <a:rPr lang="en-US" dirty="0" err="1"/>
+              <a:t>liệu</a:t>
+            </a:r>
+            <a:r>
+              <a:rPr lang="en-US" dirty="0"/>
+              <a:t> </a:t>
+            </a:r>
+            <a:r>
+              <a:rPr lang="en-US" dirty="0" err="1"/>
+              <a:t>tại</a:t>
+            </a:r>
+            <a:r>
+              <a:rPr lang="en-US" dirty="0"/>
+              <a:t> </a:t>
+            </a:r>
+            <a:r>
+              <a:rPr lang="en-US" dirty="0" err="1"/>
+              <a:t>một</a:t>
+            </a:r>
+            <a:r>
+              <a:rPr lang="en-US" dirty="0"/>
+              <a:t> </a:t>
+            </a:r>
+            <a:r>
+              <a:rPr lang="en-US" dirty="0" err="1"/>
+              <a:t>số</a:t>
+            </a:r>
+            <a:r>
+              <a:rPr lang="en-US" dirty="0"/>
+              <a:t> </a:t>
+            </a:r>
+            <a:r>
+              <a:rPr lang="en-US" dirty="0" err="1"/>
+              <a:t>ít</a:t>
+            </a:r>
+            <a:r>
+              <a:rPr lang="en-US" dirty="0"/>
+              <a:t> </a:t>
+            </a:r>
+            <a:r>
+              <a:rPr lang="en-US" dirty="0" err="1"/>
+              <a:t>các</a:t>
+            </a:r>
+            <a:r>
+              <a:rPr lang="en-US" dirty="0"/>
+              <a:t> tr</a:t>
+            </a:r>
+            <a:r>
+              <a:rPr lang="vi-VN" dirty="0"/>
+              <a:t>ư</a:t>
+            </a:r>
+            <a:r>
+              <a:rPr lang="en-US" dirty="0" err="1"/>
+              <a:t>ờng</a:t>
+            </a:r>
+            <a:r>
+              <a:rPr lang="en-US" dirty="0"/>
+              <a:t> </a:t>
+            </a:r>
+            <a:r>
+              <a:rPr lang="en-US" dirty="0" err="1"/>
+              <a:t>giá</a:t>
+            </a:r>
+            <a:r>
+              <a:rPr lang="en-US" dirty="0"/>
+              <a:t> </a:t>
+            </a:r>
+            <a:r>
+              <a:rPr lang="en-US" dirty="0" err="1"/>
+              <a:t>trị</a:t>
+            </a:r>
+            <a:endParaRPr lang="en-US" dirty="0"/>
+          </a:p>
+          <a:p>
+            <a:pPr lvl="1"/>
+            <a:r>
+              <a:rPr lang="en-US" dirty="0" err="1"/>
+              <a:t>Hiệu</a:t>
+            </a:r>
+            <a:r>
+              <a:rPr lang="en-US" dirty="0"/>
+              <a:t> </a:t>
+            </a:r>
+            <a:r>
+              <a:rPr lang="en-US" dirty="0" err="1"/>
+              <a:t>năng</a:t>
+            </a:r>
+            <a:r>
+              <a:rPr lang="en-US" dirty="0"/>
+              <a:t> </a:t>
+            </a:r>
+            <a:r>
+              <a:rPr lang="en-US" dirty="0" err="1"/>
+              <a:t>cao</a:t>
+            </a:r>
+            <a:r>
+              <a:rPr lang="en-US" dirty="0"/>
+              <a:t> </a:t>
+            </a:r>
+            <a:r>
+              <a:rPr lang="en-US" dirty="0" err="1"/>
+              <a:t>với</a:t>
+            </a:r>
+            <a:r>
+              <a:rPr lang="en-US" dirty="0"/>
+              <a:t> </a:t>
+            </a:r>
+            <a:r>
+              <a:rPr lang="en-US" dirty="0" err="1"/>
+              <a:t>các</a:t>
+            </a:r>
+            <a:r>
+              <a:rPr lang="en-US" dirty="0"/>
+              <a:t> </a:t>
+            </a:r>
+            <a:r>
+              <a:rPr lang="en-US" dirty="0" err="1"/>
+              <a:t>truy</a:t>
+            </a:r>
+            <a:r>
+              <a:rPr lang="en-US" dirty="0"/>
+              <a:t> </a:t>
+            </a:r>
+            <a:r>
+              <a:rPr lang="en-US" dirty="0" err="1"/>
+              <a:t>vấn</a:t>
+            </a:r>
+            <a:r>
+              <a:rPr lang="en-US" dirty="0"/>
+              <a:t> insert (</a:t>
+            </a:r>
+            <a:r>
+              <a:rPr lang="en-US" dirty="0" err="1"/>
+              <a:t>thêm</a:t>
+            </a:r>
+            <a:r>
+              <a:rPr lang="en-US" dirty="0"/>
+              <a:t>) </a:t>
+            </a:r>
+            <a:r>
+              <a:rPr lang="en-US" dirty="0" err="1"/>
+              <a:t>và</a:t>
+            </a:r>
+            <a:r>
+              <a:rPr lang="en-US" dirty="0"/>
+              <a:t> search (</a:t>
+            </a:r>
+            <a:r>
+              <a:rPr lang="en-US" dirty="0" err="1"/>
+              <a:t>tìm</a:t>
+            </a:r>
+            <a:r>
+              <a:rPr lang="en-US" dirty="0"/>
+              <a:t> </a:t>
+            </a:r>
+            <a:r>
+              <a:rPr lang="en-US" dirty="0" err="1"/>
+              <a:t>kiếm</a:t>
+            </a:r>
+            <a:r>
+              <a:rPr lang="en-US" dirty="0"/>
+              <a:t>)</a:t>
+            </a:r>
+          </a:p>
+          <a:p>
+            <a:pPr lvl="1"/>
+            <a:r>
+              <a:rPr lang="en-US" dirty="0" err="1"/>
+              <a:t>Nén</a:t>
+            </a:r>
+            <a:r>
+              <a:rPr lang="en-US" dirty="0"/>
+              <a:t> </a:t>
+            </a:r>
+            <a:r>
+              <a:rPr lang="en-US" dirty="0" err="1"/>
+              <a:t>dữ</a:t>
+            </a:r>
+            <a:r>
+              <a:rPr lang="en-US" dirty="0"/>
+              <a:t> </a:t>
+            </a:r>
+            <a:r>
+              <a:rPr lang="en-US" dirty="0" err="1"/>
+              <a:t>liệu</a:t>
+            </a:r>
+            <a:r>
+              <a:rPr lang="en-US" dirty="0"/>
+              <a:t> </a:t>
+            </a:r>
+            <a:r>
+              <a:rPr lang="en-US" dirty="0" err="1"/>
+              <a:t>tốt</a:t>
+            </a:r>
+            <a:endParaRPr lang="en-US" dirty="0"/>
+          </a:p>
+        </p:txBody>
+      </p:sp>
+      <p:sp>
+        <p:nvSpPr>
+          <p:cNvPr id="4" name="Chỗ dành sẵn cho Số hiệu Bản chiếu 3">
+            <a:extLst>
+              <a:ext uri="{FF2B5EF4-FFF2-40B4-BE49-F238E27FC236}">
+                <a16:creationId xmlns:a16="http://schemas.microsoft.com/office/drawing/2014/main" id="{5E7FBF7F-8F42-49DB-8268-C39FB18E78AB}"/>
+              </a:ext>
+            </a:extLst>
+          </p:cNvPr>
+          <p:cNvSpPr>
+            <a:spLocks noGrp="1"/>
+          </p:cNvSpPr>
+          <p:nvPr>
+            <p:ph type="sldNum" sz="quarter" idx="12"/>
+          </p:nvPr>
+        </p:nvSpPr>
+        <p:spPr/>
+        <p:txBody>
+          <a:bodyPr/>
+          <a:lstStyle/>
+          <a:p>
+            <a:fld id="{9514B7F1-BB48-43C4-8AAC-DDDF7391C027}" type="slidenum">
+              <a:rPr lang="en-US" smtClean="0"/>
+              <a:t>7</a:t>
+            </a:fld>
+            <a:endParaRPr lang="en-US"/>
+          </a:p>
+        </p:txBody>
+      </p:sp>
+    </p:spTree>
+    <p:extLst>
+      <p:ext uri="{BB962C8B-B14F-4D97-AF65-F5344CB8AC3E}">
+        <p14:creationId xmlns:p14="http://schemas.microsoft.com/office/powerpoint/2010/main" val="3833424259"/>
+      </p:ext>
+    </p:extLst>
+  </p:cSld>
+  <p:clrMapOvr>
+    <a:masterClrMapping/>
+  </p:clrMapOvr>
+</p:sld>
+</file>
+
+<file path=ppt/slides/slide8.xml><?xml version="1.0" encoding="utf-8"?>
+<p:sld xmlns:a="http://schemas.openxmlformats.org/drawingml/2006/main" xmlns:r="http://schemas.openxmlformats.org/officeDocument/2006/relationships" xmlns:p="http://schemas.openxmlformats.org/presentationml/2006/main">
+  <p:cSld>
+    <p:spTree>
+      <p:nvGrpSpPr>
+        <p:cNvPr id="1" name=""/>
+        <p:cNvGrpSpPr/>
+        <p:nvPr/>
+      </p:nvGrpSpPr>
+      <p:grpSpPr>
+        <a:xfrm>
+          <a:off x="0" y="0"/>
+          <a:ext cx="0" cy="0"/>
+          <a:chOff x="0" y="0"/>
+          <a:chExt cx="0" cy="0"/>
+        </a:xfrm>
+      </p:grpSpPr>
+      <p:sp>
+        <p:nvSpPr>
+          <p:cNvPr id="2" name="Tiêu đề 1">
+            <a:extLst>
+              <a:ext uri="{FF2B5EF4-FFF2-40B4-BE49-F238E27FC236}">
                 <a16:creationId xmlns:a16="http://schemas.microsoft.com/office/drawing/2014/main" id="{44379DAC-2F87-40EC-8915-12D8B9BBB148}"/>
               </a:ext>
             </a:extLst>
@@ -11336,7 +15027,7 @@
           <a:p>
             <a:fld id="{9514B7F1-BB48-43C4-8AAC-DDDF7391C027}" type="slidenum">
               <a:rPr lang="en-US" smtClean="0"/>
-              <a:t>6</a:t>
+              <a:t>8</a:t>
             </a:fld>
             <a:endParaRPr lang="en-US"/>
           </a:p>
@@ -11355,7 +15046,7 @@
 </p:sld>
 </file>
 
-<file path=ppt/slides/slide7.xml><?xml version="1.0" encoding="utf-8"?>
+<file path=ppt/slides/slide9.xml><?xml version="1.0" encoding="utf-8"?>
 <p:sld xmlns:a="http://schemas.openxmlformats.org/drawingml/2006/main" xmlns:r="http://schemas.openxmlformats.org/officeDocument/2006/relationships" xmlns:p="http://schemas.openxmlformats.org/presentationml/2006/main">
   <p:cSld>
     <p:spTree>
@@ -11477,7 +15168,7 @@
           <a:p>
             <a:fld id="{9514B7F1-BB48-43C4-8AAC-DDDF7391C027}" type="slidenum">
               <a:rPr lang="en-US" smtClean="0"/>
-              <a:t>7</a:t>
+              <a:t>9</a:t>
             </a:fld>
             <a:endParaRPr lang="en-US"/>
           </a:p>
@@ -11487,308 +15178,6 @@
     <p:extLst>
       <p:ext uri="{BB962C8B-B14F-4D97-AF65-F5344CB8AC3E}">
         <p14:creationId xmlns:p14="http://schemas.microsoft.com/office/powerpoint/2010/main" val="3694938331"/>
-      </p:ext>
-    </p:extLst>
-  </p:cSld>
-  <p:clrMapOvr>
-    <a:masterClrMapping/>
-  </p:clrMapOvr>
-</p:sld>
-</file>
-
-<file path=ppt/slides/slide8.xml><?xml version="1.0" encoding="utf-8"?>
-<p:sld xmlns:a="http://schemas.openxmlformats.org/drawingml/2006/main" xmlns:r="http://schemas.openxmlformats.org/officeDocument/2006/relationships" xmlns:p="http://schemas.openxmlformats.org/presentationml/2006/main">
-  <p:cSld>
-    <p:spTree>
-      <p:nvGrpSpPr>
-        <p:cNvPr id="1" name=""/>
-        <p:cNvGrpSpPr/>
-        <p:nvPr/>
-      </p:nvGrpSpPr>
-      <p:grpSpPr>
-        <a:xfrm>
-          <a:off x="0" y="0"/>
-          <a:ext cx="0" cy="0"/>
-          <a:chOff x="0" y="0"/>
-          <a:chExt cx="0" cy="0"/>
-        </a:xfrm>
-      </p:grpSpPr>
-      <p:sp>
-        <p:nvSpPr>
-          <p:cNvPr id="2" name="Tiêu đề 1">
-            <a:extLst>
-              <a:ext uri="{FF2B5EF4-FFF2-40B4-BE49-F238E27FC236}">
-                <a16:creationId xmlns:a16="http://schemas.microsoft.com/office/drawing/2014/main" id="{85022063-2288-4A5E-BC35-5746653C5B1F}"/>
-              </a:ext>
-            </a:extLst>
-          </p:cNvPr>
-          <p:cNvSpPr>
-            <a:spLocks noGrp="1"/>
-          </p:cNvSpPr>
-          <p:nvPr>
-            <p:ph type="title"/>
-          </p:nvPr>
-        </p:nvSpPr>
-        <p:spPr/>
-        <p:txBody>
-          <a:bodyPr/>
-          <a:lstStyle/>
-          <a:p>
-            <a:r>
-              <a:rPr lang="en-US" dirty="0"/>
-              <a:t>2. </a:t>
-            </a:r>
-            <a:r>
-              <a:rPr lang="en-US" dirty="0" err="1"/>
-              <a:t>Kiến</a:t>
-            </a:r>
-            <a:r>
-              <a:rPr lang="en-US" dirty="0"/>
-              <a:t> </a:t>
-            </a:r>
-            <a:r>
-              <a:rPr lang="en-US" dirty="0" err="1"/>
-              <a:t>trúc</a:t>
-            </a:r>
-            <a:r>
-              <a:rPr lang="en-US" dirty="0"/>
-              <a:t> </a:t>
-            </a:r>
-            <a:r>
-              <a:rPr lang="en-US" dirty="0" err="1"/>
-              <a:t>thiết</a:t>
-            </a:r>
-            <a:r>
-              <a:rPr lang="en-US" dirty="0"/>
-              <a:t> </a:t>
-            </a:r>
-            <a:r>
-              <a:rPr lang="en-US" dirty="0" err="1"/>
-              <a:t>kế</a:t>
-            </a:r>
-            <a:endParaRPr lang="en-US" dirty="0"/>
-          </a:p>
-        </p:txBody>
-      </p:sp>
-      <p:sp>
-        <p:nvSpPr>
-          <p:cNvPr id="4" name="Chỗ dành sẵn cho Số hiệu Bản chiếu 3">
-            <a:extLst>
-              <a:ext uri="{FF2B5EF4-FFF2-40B4-BE49-F238E27FC236}">
-                <a16:creationId xmlns:a16="http://schemas.microsoft.com/office/drawing/2014/main" id="{9164578D-ED5F-4111-A524-413F2E049A76}"/>
-              </a:ext>
-            </a:extLst>
-          </p:cNvPr>
-          <p:cNvSpPr>
-            <a:spLocks noGrp="1"/>
-          </p:cNvSpPr>
-          <p:nvPr>
-            <p:ph type="sldNum" sz="quarter" idx="12"/>
-          </p:nvPr>
-        </p:nvSpPr>
-        <p:spPr/>
-        <p:txBody>
-          <a:bodyPr/>
-          <a:lstStyle/>
-          <a:p>
-            <a:fld id="{9514B7F1-BB48-43C4-8AAC-DDDF7391C027}" type="slidenum">
-              <a:rPr lang="en-US" smtClean="0"/>
-              <a:t>8</a:t>
-            </a:fld>
-            <a:endParaRPr lang="en-US"/>
-          </a:p>
-        </p:txBody>
-      </p:sp>
-      <p:pic>
-        <p:nvPicPr>
-          <p:cNvPr id="10" name="Chỗ dành sẵn cho Nội dung 9">
-            <a:extLst>
-              <a:ext uri="{FF2B5EF4-FFF2-40B4-BE49-F238E27FC236}">
-                <a16:creationId xmlns:a16="http://schemas.microsoft.com/office/drawing/2014/main" id="{C16D0AD2-DA3E-4ACF-847D-85AEB9442F5B}"/>
-              </a:ext>
-            </a:extLst>
-          </p:cNvPr>
-          <p:cNvPicPr>
-            <a:picLocks noGrp="1" noChangeAspect="1"/>
-          </p:cNvPicPr>
-          <p:nvPr>
-            <p:ph idx="1"/>
-          </p:nvPr>
-        </p:nvPicPr>
-        <p:blipFill>
-          <a:blip r:embed="rId2">
-            <a:extLst>
-              <a:ext uri="{28A0092B-C50C-407E-A947-70E740481C1C}">
-                <a14:useLocalDpi xmlns:a14="http://schemas.microsoft.com/office/drawing/2010/main" val="0"/>
-              </a:ext>
-            </a:extLst>
-          </a:blip>
-          <a:stretch>
-            <a:fillRect/>
-          </a:stretch>
-        </p:blipFill>
-        <p:spPr>
-          <a:xfrm>
-            <a:off x="3052690" y="1557867"/>
-            <a:ext cx="5761524" cy="4311122"/>
-          </a:xfrm>
-        </p:spPr>
-      </p:pic>
-    </p:spTree>
-    <p:extLst>
-      <p:ext uri="{BB962C8B-B14F-4D97-AF65-F5344CB8AC3E}">
-        <p14:creationId xmlns:p14="http://schemas.microsoft.com/office/powerpoint/2010/main" val="1132573609"/>
-      </p:ext>
-    </p:extLst>
-  </p:cSld>
-  <p:clrMapOvr>
-    <a:masterClrMapping/>
-  </p:clrMapOvr>
-</p:sld>
-</file>
-
-<file path=ppt/slides/slide9.xml><?xml version="1.0" encoding="utf-8"?>
-<p:sld xmlns:a="http://schemas.openxmlformats.org/drawingml/2006/main" xmlns:r="http://schemas.openxmlformats.org/officeDocument/2006/relationships" xmlns:p="http://schemas.openxmlformats.org/presentationml/2006/main">
-  <p:cSld>
-    <p:spTree>
-      <p:nvGrpSpPr>
-        <p:cNvPr id="1" name=""/>
-        <p:cNvGrpSpPr/>
-        <p:nvPr/>
-      </p:nvGrpSpPr>
-      <p:grpSpPr>
-        <a:xfrm>
-          <a:off x="0" y="0"/>
-          <a:ext cx="0" cy="0"/>
-          <a:chOff x="0" y="0"/>
-          <a:chExt cx="0" cy="0"/>
-        </a:xfrm>
-      </p:grpSpPr>
-      <p:sp>
-        <p:nvSpPr>
-          <p:cNvPr id="2" name="Tiêu đề 1">
-            <a:extLst>
-              <a:ext uri="{FF2B5EF4-FFF2-40B4-BE49-F238E27FC236}">
-                <a16:creationId xmlns:a16="http://schemas.microsoft.com/office/drawing/2014/main" id="{E5E8DA4D-7941-4E2F-8D42-F8534B57BE1A}"/>
-              </a:ext>
-            </a:extLst>
-          </p:cNvPr>
-          <p:cNvSpPr>
-            <a:spLocks noGrp="1"/>
-          </p:cNvSpPr>
-          <p:nvPr>
-            <p:ph type="title"/>
-          </p:nvPr>
-        </p:nvSpPr>
-        <p:spPr/>
-        <p:txBody>
-          <a:bodyPr/>
-          <a:lstStyle/>
-          <a:p>
-            <a:r>
-              <a:rPr lang="en-US" dirty="0"/>
-              <a:t>2. </a:t>
-            </a:r>
-            <a:r>
-              <a:rPr lang="en-US" dirty="0" err="1"/>
-              <a:t>Kiến</a:t>
-            </a:r>
-            <a:r>
-              <a:rPr lang="en-US" dirty="0"/>
-              <a:t> </a:t>
-            </a:r>
-            <a:r>
-              <a:rPr lang="en-US" dirty="0" err="1"/>
-              <a:t>trúc</a:t>
-            </a:r>
-            <a:r>
-              <a:rPr lang="en-US" dirty="0"/>
-              <a:t> </a:t>
-            </a:r>
-            <a:r>
-              <a:rPr lang="en-US" dirty="0" err="1"/>
-              <a:t>thiết</a:t>
-            </a:r>
-            <a:r>
-              <a:rPr lang="en-US" dirty="0"/>
-              <a:t> </a:t>
-            </a:r>
-            <a:r>
-              <a:rPr lang="en-US" dirty="0" err="1"/>
-              <a:t>kế</a:t>
-            </a:r>
-            <a:endParaRPr lang="en-US" dirty="0"/>
-          </a:p>
-        </p:txBody>
-      </p:sp>
-      <p:sp>
-        <p:nvSpPr>
-          <p:cNvPr id="4" name="Chỗ dành sẵn cho Số hiệu Bản chiếu 3">
-            <a:extLst>
-              <a:ext uri="{FF2B5EF4-FFF2-40B4-BE49-F238E27FC236}">
-                <a16:creationId xmlns:a16="http://schemas.microsoft.com/office/drawing/2014/main" id="{38DA244B-0629-4DE8-B578-945D096977A8}"/>
-              </a:ext>
-            </a:extLst>
-          </p:cNvPr>
-          <p:cNvSpPr>
-            <a:spLocks noGrp="1"/>
-          </p:cNvSpPr>
-          <p:nvPr>
-            <p:ph type="sldNum" sz="quarter" idx="12"/>
-          </p:nvPr>
-        </p:nvSpPr>
-        <p:spPr/>
-        <p:txBody>
-          <a:bodyPr/>
-          <a:lstStyle/>
-          <a:p>
-            <a:fld id="{9514B7F1-BB48-43C4-8AAC-DDDF7391C027}" type="slidenum">
-              <a:rPr lang="en-US" smtClean="0"/>
-              <a:t>9</a:t>
-            </a:fld>
-            <a:endParaRPr lang="en-US"/>
-          </a:p>
-        </p:txBody>
-      </p:sp>
-      <p:pic>
-        <p:nvPicPr>
-          <p:cNvPr id="14" name="Chỗ dành sẵn cho Nội dung 13">
-            <a:extLst>
-              <a:ext uri="{FF2B5EF4-FFF2-40B4-BE49-F238E27FC236}">
-                <a16:creationId xmlns:a16="http://schemas.microsoft.com/office/drawing/2014/main" id="{679051D0-AF63-4C2D-BB15-AB0DF7BB1B9B}"/>
-              </a:ext>
-            </a:extLst>
-          </p:cNvPr>
-          <p:cNvPicPr>
-            <a:picLocks noGrp="1" noChangeAspect="1"/>
-          </p:cNvPicPr>
-          <p:nvPr>
-            <p:ph idx="1"/>
-          </p:nvPr>
-        </p:nvPicPr>
-        <p:blipFill>
-          <a:blip r:embed="rId2">
-            <a:extLst>
-              <a:ext uri="{28A0092B-C50C-407E-A947-70E740481C1C}">
-                <a14:useLocalDpi xmlns:a14="http://schemas.microsoft.com/office/drawing/2010/main" val="0"/>
-              </a:ext>
-            </a:extLst>
-          </a:blip>
-          <a:stretch>
-            <a:fillRect/>
-          </a:stretch>
-        </p:blipFill>
-        <p:spPr>
-          <a:xfrm>
-            <a:off x="4051495" y="1537349"/>
-            <a:ext cx="4331630" cy="4676417"/>
-          </a:xfrm>
-        </p:spPr>
-      </p:pic>
-    </p:spTree>
-    <p:extLst>
-      <p:ext uri="{BB962C8B-B14F-4D97-AF65-F5344CB8AC3E}">
-        <p14:creationId xmlns:p14="http://schemas.microsoft.com/office/powerpoint/2010/main" val="2682039979"/>
       </p:ext>
     </p:extLst>
   </p:cSld>
